--- a/lessflow/lessflow_reorder.pptx
+++ b/lessflow/lessflow_reorder.pptx
@@ -5,7 +5,8 @@
     <p:sldMasterId id="2147483648" r:id="rId1"/>
   </p:sldMasterIdLst>
   <p:sldIdLst>
-    <p:sldId id="256" r:id="rId2"/>
+    <p:sldId id="257" r:id="rId2"/>
+    <p:sldId id="256" r:id="rId3"/>
   </p:sldIdLst>
   <p:sldSz cx="12192000" cy="6858000"/>
   <p:notesSz cx="6858000" cy="9144000"/>
@@ -261,7 +262,7 @@
           <a:p>
             <a:fld id="{76465AE9-6046-DF49-85F9-EDC53AD2841B}" type="datetimeFigureOut">
               <a:rPr kumimoji="1" lang="zh-SG" altLang="en-US" smtClean="0"/>
-              <a:t>13/03/24</a:t>
+              <a:t>14/03/24</a:t>
             </a:fld>
             <a:endParaRPr kumimoji="1" lang="zh-SG" altLang="en-US"/>
           </a:p>
@@ -461,7 +462,7 @@
           <a:p>
             <a:fld id="{76465AE9-6046-DF49-85F9-EDC53AD2841B}" type="datetimeFigureOut">
               <a:rPr kumimoji="1" lang="zh-SG" altLang="en-US" smtClean="0"/>
-              <a:t>13/03/24</a:t>
+              <a:t>14/03/24</a:t>
             </a:fld>
             <a:endParaRPr kumimoji="1" lang="zh-SG" altLang="en-US"/>
           </a:p>
@@ -671,7 +672,7 @@
           <a:p>
             <a:fld id="{76465AE9-6046-DF49-85F9-EDC53AD2841B}" type="datetimeFigureOut">
               <a:rPr kumimoji="1" lang="zh-SG" altLang="en-US" smtClean="0"/>
-              <a:t>13/03/24</a:t>
+              <a:t>14/03/24</a:t>
             </a:fld>
             <a:endParaRPr kumimoji="1" lang="zh-SG" altLang="en-US"/>
           </a:p>
@@ -871,7 +872,7 @@
           <a:p>
             <a:fld id="{76465AE9-6046-DF49-85F9-EDC53AD2841B}" type="datetimeFigureOut">
               <a:rPr kumimoji="1" lang="zh-SG" altLang="en-US" smtClean="0"/>
-              <a:t>13/03/24</a:t>
+              <a:t>14/03/24</a:t>
             </a:fld>
             <a:endParaRPr kumimoji="1" lang="zh-SG" altLang="en-US"/>
           </a:p>
@@ -1147,7 +1148,7 @@
           <a:p>
             <a:fld id="{76465AE9-6046-DF49-85F9-EDC53AD2841B}" type="datetimeFigureOut">
               <a:rPr kumimoji="1" lang="zh-SG" altLang="en-US" smtClean="0"/>
-              <a:t>13/03/24</a:t>
+              <a:t>14/03/24</a:t>
             </a:fld>
             <a:endParaRPr kumimoji="1" lang="zh-SG" altLang="en-US"/>
           </a:p>
@@ -1415,7 +1416,7 @@
           <a:p>
             <a:fld id="{76465AE9-6046-DF49-85F9-EDC53AD2841B}" type="datetimeFigureOut">
               <a:rPr kumimoji="1" lang="zh-SG" altLang="en-US" smtClean="0"/>
-              <a:t>13/03/24</a:t>
+              <a:t>14/03/24</a:t>
             </a:fld>
             <a:endParaRPr kumimoji="1" lang="zh-SG" altLang="en-US"/>
           </a:p>
@@ -1830,7 +1831,7 @@
           <a:p>
             <a:fld id="{76465AE9-6046-DF49-85F9-EDC53AD2841B}" type="datetimeFigureOut">
               <a:rPr kumimoji="1" lang="zh-SG" altLang="en-US" smtClean="0"/>
-              <a:t>13/03/24</a:t>
+              <a:t>14/03/24</a:t>
             </a:fld>
             <a:endParaRPr kumimoji="1" lang="zh-SG" altLang="en-US"/>
           </a:p>
@@ -1972,7 +1973,7 @@
           <a:p>
             <a:fld id="{76465AE9-6046-DF49-85F9-EDC53AD2841B}" type="datetimeFigureOut">
               <a:rPr kumimoji="1" lang="zh-SG" altLang="en-US" smtClean="0"/>
-              <a:t>13/03/24</a:t>
+              <a:t>14/03/24</a:t>
             </a:fld>
             <a:endParaRPr kumimoji="1" lang="zh-SG" altLang="en-US"/>
           </a:p>
@@ -2085,7 +2086,7 @@
           <a:p>
             <a:fld id="{76465AE9-6046-DF49-85F9-EDC53AD2841B}" type="datetimeFigureOut">
               <a:rPr kumimoji="1" lang="zh-SG" altLang="en-US" smtClean="0"/>
-              <a:t>13/03/24</a:t>
+              <a:t>14/03/24</a:t>
             </a:fld>
             <a:endParaRPr kumimoji="1" lang="zh-SG" altLang="en-US"/>
           </a:p>
@@ -2398,7 +2399,7 @@
           <a:p>
             <a:fld id="{76465AE9-6046-DF49-85F9-EDC53AD2841B}" type="datetimeFigureOut">
               <a:rPr kumimoji="1" lang="zh-SG" altLang="en-US" smtClean="0"/>
-              <a:t>13/03/24</a:t>
+              <a:t>14/03/24</a:t>
             </a:fld>
             <a:endParaRPr kumimoji="1" lang="zh-SG" altLang="en-US"/>
           </a:p>
@@ -2687,7 +2688,7 @@
           <a:p>
             <a:fld id="{76465AE9-6046-DF49-85F9-EDC53AD2841B}" type="datetimeFigureOut">
               <a:rPr kumimoji="1" lang="zh-SG" altLang="en-US" smtClean="0"/>
-              <a:t>13/03/24</a:t>
+              <a:t>14/03/24</a:t>
             </a:fld>
             <a:endParaRPr kumimoji="1" lang="zh-SG" altLang="en-US"/>
           </a:p>
@@ -2930,7 +2931,7 @@
           <a:p>
             <a:fld id="{76465AE9-6046-DF49-85F9-EDC53AD2841B}" type="datetimeFigureOut">
               <a:rPr kumimoji="1" lang="zh-SG" altLang="en-US" smtClean="0"/>
-              <a:t>13/03/24</a:t>
+              <a:t>14/03/24</a:t>
             </a:fld>
             <a:endParaRPr kumimoji="1" lang="zh-SG" altLang="en-US"/>
           </a:p>
@@ -3347,6 +3348,3516 @@
           <a:chExt cx="0" cy="0"/>
         </a:xfrm>
       </p:grpSpPr>
+      <p:cxnSp>
+        <p:nvCxnSpPr>
+          <p:cNvPr id="5" name="直线连接符 4">
+            <a:extLst>
+              <a:ext uri="{FF2B5EF4-FFF2-40B4-BE49-F238E27FC236}">
+                <a16:creationId xmlns:a16="http://schemas.microsoft.com/office/drawing/2014/main" id="{9434A8E7-803E-5040-A118-4E167A7BEBFD}"/>
+              </a:ext>
+            </a:extLst>
+          </p:cNvPr>
+          <p:cNvCxnSpPr>
+            <a:cxnSpLocks/>
+          </p:cNvCxnSpPr>
+          <p:nvPr/>
+        </p:nvCxnSpPr>
+        <p:spPr>
+          <a:xfrm>
+            <a:off x="1315844" y="1081669"/>
+            <a:ext cx="0" cy="3100038"/>
+          </a:xfrm>
+          <a:prstGeom prst="line">
+            <a:avLst/>
+          </a:prstGeom>
+          <a:ln w="28575">
+            <a:solidFill>
+              <a:schemeClr val="tx1"/>
+            </a:solidFill>
+          </a:ln>
+        </p:spPr>
+        <p:style>
+          <a:lnRef idx="1">
+            <a:schemeClr val="accent1"/>
+          </a:lnRef>
+          <a:fillRef idx="0">
+            <a:schemeClr val="accent1"/>
+          </a:fillRef>
+          <a:effectRef idx="0">
+            <a:schemeClr val="accent1"/>
+          </a:effectRef>
+          <a:fontRef idx="minor">
+            <a:schemeClr val="tx1"/>
+          </a:fontRef>
+        </p:style>
+      </p:cxnSp>
+      <p:cxnSp>
+        <p:nvCxnSpPr>
+          <p:cNvPr id="7" name="直线连接符 6">
+            <a:extLst>
+              <a:ext uri="{FF2B5EF4-FFF2-40B4-BE49-F238E27FC236}">
+                <a16:creationId xmlns:a16="http://schemas.microsoft.com/office/drawing/2014/main" id="{7165FE14-3A2C-9747-81F4-22906618C549}"/>
+              </a:ext>
+            </a:extLst>
+          </p:cNvPr>
+          <p:cNvCxnSpPr>
+            <a:cxnSpLocks/>
+          </p:cNvCxnSpPr>
+          <p:nvPr/>
+        </p:nvCxnSpPr>
+        <p:spPr>
+          <a:xfrm flipH="1">
+            <a:off x="3744224" y="1081668"/>
+            <a:ext cx="12109" cy="3013048"/>
+          </a:xfrm>
+          <a:prstGeom prst="line">
+            <a:avLst/>
+          </a:prstGeom>
+          <a:ln w="28575">
+            <a:solidFill>
+              <a:schemeClr val="tx1"/>
+            </a:solidFill>
+          </a:ln>
+        </p:spPr>
+        <p:style>
+          <a:lnRef idx="1">
+            <a:schemeClr val="accent1"/>
+          </a:lnRef>
+          <a:fillRef idx="0">
+            <a:schemeClr val="accent1"/>
+          </a:fillRef>
+          <a:effectRef idx="0">
+            <a:schemeClr val="accent1"/>
+          </a:effectRef>
+          <a:fontRef idx="minor">
+            <a:schemeClr val="tx1"/>
+          </a:fontRef>
+        </p:style>
+      </p:cxnSp>
+      <p:sp>
+        <p:nvSpPr>
+          <p:cNvPr id="8" name="文本框 7">
+            <a:extLst>
+              <a:ext uri="{FF2B5EF4-FFF2-40B4-BE49-F238E27FC236}">
+                <a16:creationId xmlns:a16="http://schemas.microsoft.com/office/drawing/2014/main" id="{3BCA1938-C6BD-A44F-9228-5A01A0AD05BC}"/>
+              </a:ext>
+            </a:extLst>
+          </p:cNvPr>
+          <p:cNvSpPr txBox="1"/>
+          <p:nvPr/>
+        </p:nvSpPr>
+        <p:spPr>
+          <a:xfrm>
+            <a:off x="1001142" y="712337"/>
+            <a:ext cx="498278" cy="400110"/>
+          </a:xfrm>
+          <a:prstGeom prst="rect">
+            <a:avLst/>
+          </a:prstGeom>
+          <a:noFill/>
+        </p:spPr>
+        <p:txBody>
+          <a:bodyPr wrap="none" rtlCol="0">
+            <a:spAutoFit/>
+          </a:bodyPr>
+          <a:lstStyle/>
+          <a:p>
+            <a:r>
+              <a:rPr kumimoji="1" lang="en-US" altLang="zh-SG" sz="2000" dirty="0" err="1"/>
+              <a:t>Src</a:t>
+            </a:r>
+            <a:endParaRPr kumimoji="1" lang="zh-SG" altLang="en-US" sz="2000" dirty="0"/>
+          </a:p>
+        </p:txBody>
+      </p:sp>
+      <p:sp>
+        <p:nvSpPr>
+          <p:cNvPr id="9" name="文本框 8">
+            <a:extLst>
+              <a:ext uri="{FF2B5EF4-FFF2-40B4-BE49-F238E27FC236}">
+                <a16:creationId xmlns:a16="http://schemas.microsoft.com/office/drawing/2014/main" id="{29FE06BB-15CC-F54B-8063-D49767EF3E94}"/>
+              </a:ext>
+            </a:extLst>
+          </p:cNvPr>
+          <p:cNvSpPr txBox="1"/>
+          <p:nvPr/>
+        </p:nvSpPr>
+        <p:spPr>
+          <a:xfrm>
+            <a:off x="3510593" y="712337"/>
+            <a:ext cx="526426" cy="400110"/>
+          </a:xfrm>
+          <a:prstGeom prst="rect">
+            <a:avLst/>
+          </a:prstGeom>
+          <a:noFill/>
+        </p:spPr>
+        <p:txBody>
+          <a:bodyPr wrap="none" rtlCol="0">
+            <a:spAutoFit/>
+          </a:bodyPr>
+          <a:lstStyle/>
+          <a:p>
+            <a:r>
+              <a:rPr kumimoji="1" lang="en-US" altLang="zh-CN" sz="2000" dirty="0" err="1"/>
+              <a:t>Dst</a:t>
+            </a:r>
+            <a:endParaRPr kumimoji="1" lang="zh-SG" altLang="en-US" sz="2000" dirty="0"/>
+          </a:p>
+        </p:txBody>
+      </p:sp>
+      <p:sp>
+        <p:nvSpPr>
+          <p:cNvPr id="10" name="矩形 9">
+            <a:extLst>
+              <a:ext uri="{FF2B5EF4-FFF2-40B4-BE49-F238E27FC236}">
+                <a16:creationId xmlns:a16="http://schemas.microsoft.com/office/drawing/2014/main" id="{9E249F77-648D-7647-86B5-FCD02DE74B51}"/>
+              </a:ext>
+            </a:extLst>
+          </p:cNvPr>
+          <p:cNvSpPr/>
+          <p:nvPr/>
+        </p:nvSpPr>
+        <p:spPr>
+          <a:xfrm>
+            <a:off x="896447" y="3716003"/>
+            <a:ext cx="322759" cy="311108"/>
+          </a:xfrm>
+          <a:prstGeom prst="rect">
+            <a:avLst/>
+          </a:prstGeom>
+          <a:solidFill>
+            <a:srgbClr val="00B0F0"/>
+          </a:solidFill>
+          <a:ln w="19050">
+            <a:solidFill>
+              <a:schemeClr val="tx1"/>
+            </a:solidFill>
+          </a:ln>
+        </p:spPr>
+        <p:style>
+          <a:lnRef idx="2">
+            <a:schemeClr val="accent1">
+              <a:shade val="50000"/>
+            </a:schemeClr>
+          </a:lnRef>
+          <a:fillRef idx="1">
+            <a:schemeClr val="accent1"/>
+          </a:fillRef>
+          <a:effectRef idx="0">
+            <a:schemeClr val="accent1"/>
+          </a:effectRef>
+          <a:fontRef idx="minor">
+            <a:schemeClr val="lt1"/>
+          </a:fontRef>
+        </p:style>
+        <p:txBody>
+          <a:bodyPr rtlCol="0" anchor="ctr"/>
+          <a:lstStyle/>
+          <a:p>
+            <a:pPr algn="ctr"/>
+            <a:r>
+              <a:rPr kumimoji="1" lang="en-US" altLang="zh-CN" dirty="0"/>
+              <a:t>9</a:t>
+            </a:r>
+            <a:endParaRPr kumimoji="1" lang="zh-SG" altLang="en-US" dirty="0"/>
+          </a:p>
+        </p:txBody>
+      </p:sp>
+      <p:sp>
+        <p:nvSpPr>
+          <p:cNvPr id="11" name="矩形 10">
+            <a:extLst>
+              <a:ext uri="{FF2B5EF4-FFF2-40B4-BE49-F238E27FC236}">
+                <a16:creationId xmlns:a16="http://schemas.microsoft.com/office/drawing/2014/main" id="{A70C25D3-85A2-0842-9ECB-1EAB0D132CF4}"/>
+              </a:ext>
+            </a:extLst>
+          </p:cNvPr>
+          <p:cNvSpPr/>
+          <p:nvPr/>
+        </p:nvSpPr>
+        <p:spPr>
+          <a:xfrm>
+            <a:off x="896447" y="3388098"/>
+            <a:ext cx="322759" cy="311108"/>
+          </a:xfrm>
+          <a:prstGeom prst="rect">
+            <a:avLst/>
+          </a:prstGeom>
+          <a:solidFill>
+            <a:srgbClr val="00B0F0"/>
+          </a:solidFill>
+          <a:ln w="19050">
+            <a:solidFill>
+              <a:schemeClr val="tx1"/>
+            </a:solidFill>
+          </a:ln>
+        </p:spPr>
+        <p:style>
+          <a:lnRef idx="2">
+            <a:schemeClr val="accent1">
+              <a:shade val="50000"/>
+            </a:schemeClr>
+          </a:lnRef>
+          <a:fillRef idx="1">
+            <a:schemeClr val="accent1"/>
+          </a:fillRef>
+          <a:effectRef idx="0">
+            <a:schemeClr val="accent1"/>
+          </a:effectRef>
+          <a:fontRef idx="minor">
+            <a:schemeClr val="lt1"/>
+          </a:fontRef>
+        </p:style>
+        <p:txBody>
+          <a:bodyPr rtlCol="0" anchor="ctr"/>
+          <a:lstStyle/>
+          <a:p>
+            <a:pPr algn="ctr"/>
+            <a:r>
+              <a:rPr kumimoji="1" lang="en-US" altLang="zh-CN" dirty="0"/>
+              <a:t>8</a:t>
+            </a:r>
+            <a:endParaRPr kumimoji="1" lang="zh-SG" altLang="en-US" dirty="0"/>
+          </a:p>
+        </p:txBody>
+      </p:sp>
+      <p:sp>
+        <p:nvSpPr>
+          <p:cNvPr id="12" name="矩形 11">
+            <a:extLst>
+              <a:ext uri="{FF2B5EF4-FFF2-40B4-BE49-F238E27FC236}">
+                <a16:creationId xmlns:a16="http://schemas.microsoft.com/office/drawing/2014/main" id="{144C06E1-45D5-0A49-AABB-08FC7E1C2DEE}"/>
+              </a:ext>
+            </a:extLst>
+          </p:cNvPr>
+          <p:cNvSpPr/>
+          <p:nvPr/>
+        </p:nvSpPr>
+        <p:spPr>
+          <a:xfrm>
+            <a:off x="896447" y="3074556"/>
+            <a:ext cx="322759" cy="311108"/>
+          </a:xfrm>
+          <a:prstGeom prst="rect">
+            <a:avLst/>
+          </a:prstGeom>
+          <a:solidFill>
+            <a:srgbClr val="00B0F0"/>
+          </a:solidFill>
+          <a:ln w="19050">
+            <a:solidFill>
+              <a:schemeClr val="tx1"/>
+            </a:solidFill>
+          </a:ln>
+        </p:spPr>
+        <p:style>
+          <a:lnRef idx="2">
+            <a:schemeClr val="accent1">
+              <a:shade val="50000"/>
+            </a:schemeClr>
+          </a:lnRef>
+          <a:fillRef idx="1">
+            <a:schemeClr val="accent1"/>
+          </a:fillRef>
+          <a:effectRef idx="0">
+            <a:schemeClr val="accent1"/>
+          </a:effectRef>
+          <a:fontRef idx="minor">
+            <a:schemeClr val="lt1"/>
+          </a:fontRef>
+        </p:style>
+        <p:txBody>
+          <a:bodyPr rtlCol="0" anchor="ctr"/>
+          <a:lstStyle/>
+          <a:p>
+            <a:pPr algn="ctr"/>
+            <a:r>
+              <a:rPr kumimoji="1" lang="en-US" altLang="zh-CN" dirty="0"/>
+              <a:t>7</a:t>
+            </a:r>
+            <a:endParaRPr kumimoji="1" lang="zh-SG" altLang="en-US" dirty="0"/>
+          </a:p>
+        </p:txBody>
+      </p:sp>
+      <p:sp>
+        <p:nvSpPr>
+          <p:cNvPr id="13" name="矩形 12">
+            <a:extLst>
+              <a:ext uri="{FF2B5EF4-FFF2-40B4-BE49-F238E27FC236}">
+                <a16:creationId xmlns:a16="http://schemas.microsoft.com/office/drawing/2014/main" id="{B1B252D8-C056-C643-B7F5-F531DF8F8F2C}"/>
+              </a:ext>
+            </a:extLst>
+          </p:cNvPr>
+          <p:cNvSpPr/>
+          <p:nvPr/>
+        </p:nvSpPr>
+        <p:spPr>
+          <a:xfrm>
+            <a:off x="896447" y="2749085"/>
+            <a:ext cx="322759" cy="311108"/>
+          </a:xfrm>
+          <a:prstGeom prst="rect">
+            <a:avLst/>
+          </a:prstGeom>
+          <a:solidFill>
+            <a:srgbClr val="00B0F0"/>
+          </a:solidFill>
+          <a:ln w="19050">
+            <a:solidFill>
+              <a:schemeClr val="tx1"/>
+            </a:solidFill>
+          </a:ln>
+        </p:spPr>
+        <p:style>
+          <a:lnRef idx="2">
+            <a:schemeClr val="accent1">
+              <a:shade val="50000"/>
+            </a:schemeClr>
+          </a:lnRef>
+          <a:fillRef idx="1">
+            <a:schemeClr val="accent1"/>
+          </a:fillRef>
+          <a:effectRef idx="0">
+            <a:schemeClr val="accent1"/>
+          </a:effectRef>
+          <a:fontRef idx="minor">
+            <a:schemeClr val="lt1"/>
+          </a:fontRef>
+        </p:style>
+        <p:txBody>
+          <a:bodyPr rtlCol="0" anchor="ctr"/>
+          <a:lstStyle/>
+          <a:p>
+            <a:pPr algn="ctr"/>
+            <a:r>
+              <a:rPr kumimoji="1" lang="en-US" altLang="zh-CN" dirty="0"/>
+              <a:t>6</a:t>
+            </a:r>
+            <a:endParaRPr kumimoji="1" lang="zh-SG" altLang="en-US" dirty="0"/>
+          </a:p>
+        </p:txBody>
+      </p:sp>
+      <p:sp>
+        <p:nvSpPr>
+          <p:cNvPr id="14" name="矩形 13">
+            <a:extLst>
+              <a:ext uri="{FF2B5EF4-FFF2-40B4-BE49-F238E27FC236}">
+                <a16:creationId xmlns:a16="http://schemas.microsoft.com/office/drawing/2014/main" id="{DC18563B-BA9D-7349-AFF7-5A16DFDAD005}"/>
+              </a:ext>
+            </a:extLst>
+          </p:cNvPr>
+          <p:cNvSpPr/>
+          <p:nvPr/>
+        </p:nvSpPr>
+        <p:spPr>
+          <a:xfrm>
+            <a:off x="896447" y="2423614"/>
+            <a:ext cx="322759" cy="311108"/>
+          </a:xfrm>
+          <a:prstGeom prst="rect">
+            <a:avLst/>
+          </a:prstGeom>
+          <a:solidFill>
+            <a:srgbClr val="00B0F0"/>
+          </a:solidFill>
+          <a:ln w="19050">
+            <a:solidFill>
+              <a:schemeClr val="tx1"/>
+            </a:solidFill>
+          </a:ln>
+        </p:spPr>
+        <p:style>
+          <a:lnRef idx="2">
+            <a:schemeClr val="accent1">
+              <a:shade val="50000"/>
+            </a:schemeClr>
+          </a:lnRef>
+          <a:fillRef idx="1">
+            <a:schemeClr val="accent1"/>
+          </a:fillRef>
+          <a:effectRef idx="0">
+            <a:schemeClr val="accent1"/>
+          </a:effectRef>
+          <a:fontRef idx="minor">
+            <a:schemeClr val="lt1"/>
+          </a:fontRef>
+        </p:style>
+        <p:txBody>
+          <a:bodyPr rtlCol="0" anchor="ctr"/>
+          <a:lstStyle/>
+          <a:p>
+            <a:pPr algn="ctr"/>
+            <a:r>
+              <a:rPr kumimoji="1" lang="en-US" altLang="zh-SG" dirty="0"/>
+              <a:t>5</a:t>
+            </a:r>
+            <a:endParaRPr kumimoji="1" lang="zh-SG" altLang="en-US" dirty="0"/>
+          </a:p>
+        </p:txBody>
+      </p:sp>
+      <p:sp>
+        <p:nvSpPr>
+          <p:cNvPr id="15" name="矩形 14">
+            <a:extLst>
+              <a:ext uri="{FF2B5EF4-FFF2-40B4-BE49-F238E27FC236}">
+                <a16:creationId xmlns:a16="http://schemas.microsoft.com/office/drawing/2014/main" id="{8D6B257D-9EF0-D94E-AA63-4AE4471B16F9}"/>
+              </a:ext>
+            </a:extLst>
+          </p:cNvPr>
+          <p:cNvSpPr/>
+          <p:nvPr/>
+        </p:nvSpPr>
+        <p:spPr>
+          <a:xfrm>
+            <a:off x="896447" y="2098143"/>
+            <a:ext cx="322759" cy="311108"/>
+          </a:xfrm>
+          <a:prstGeom prst="rect">
+            <a:avLst/>
+          </a:prstGeom>
+          <a:solidFill>
+            <a:srgbClr val="00B0F0"/>
+          </a:solidFill>
+          <a:ln w="19050">
+            <a:solidFill>
+              <a:schemeClr val="tx1"/>
+            </a:solidFill>
+          </a:ln>
+        </p:spPr>
+        <p:style>
+          <a:lnRef idx="2">
+            <a:schemeClr val="accent1">
+              <a:shade val="50000"/>
+            </a:schemeClr>
+          </a:lnRef>
+          <a:fillRef idx="1">
+            <a:schemeClr val="accent1"/>
+          </a:fillRef>
+          <a:effectRef idx="0">
+            <a:schemeClr val="accent1"/>
+          </a:effectRef>
+          <a:fontRef idx="minor">
+            <a:schemeClr val="lt1"/>
+          </a:fontRef>
+        </p:style>
+        <p:txBody>
+          <a:bodyPr rtlCol="0" anchor="ctr"/>
+          <a:lstStyle/>
+          <a:p>
+            <a:pPr algn="ctr"/>
+            <a:r>
+              <a:rPr kumimoji="1" lang="en-US" altLang="zh-CN" dirty="0"/>
+              <a:t>4</a:t>
+            </a:r>
+            <a:endParaRPr kumimoji="1" lang="zh-SG" altLang="en-US" dirty="0"/>
+          </a:p>
+        </p:txBody>
+      </p:sp>
+      <p:sp>
+        <p:nvSpPr>
+          <p:cNvPr id="16" name="矩形 15">
+            <a:extLst>
+              <a:ext uri="{FF2B5EF4-FFF2-40B4-BE49-F238E27FC236}">
+                <a16:creationId xmlns:a16="http://schemas.microsoft.com/office/drawing/2014/main" id="{A53A01DF-4EC1-084B-A589-C6EBD52208B7}"/>
+              </a:ext>
+            </a:extLst>
+          </p:cNvPr>
+          <p:cNvSpPr/>
+          <p:nvPr/>
+        </p:nvSpPr>
+        <p:spPr>
+          <a:xfrm>
+            <a:off x="896447" y="1784249"/>
+            <a:ext cx="322759" cy="311108"/>
+          </a:xfrm>
+          <a:prstGeom prst="rect">
+            <a:avLst/>
+          </a:prstGeom>
+          <a:solidFill>
+            <a:srgbClr val="00B0F0"/>
+          </a:solidFill>
+          <a:ln w="19050">
+            <a:solidFill>
+              <a:schemeClr val="tx1"/>
+            </a:solidFill>
+          </a:ln>
+        </p:spPr>
+        <p:style>
+          <a:lnRef idx="2">
+            <a:schemeClr val="accent1">
+              <a:shade val="50000"/>
+            </a:schemeClr>
+          </a:lnRef>
+          <a:fillRef idx="1">
+            <a:schemeClr val="accent1"/>
+          </a:fillRef>
+          <a:effectRef idx="0">
+            <a:schemeClr val="accent1"/>
+          </a:effectRef>
+          <a:fontRef idx="minor">
+            <a:schemeClr val="lt1"/>
+          </a:fontRef>
+        </p:style>
+        <p:txBody>
+          <a:bodyPr rtlCol="0" anchor="ctr"/>
+          <a:lstStyle/>
+          <a:p>
+            <a:pPr algn="ctr"/>
+            <a:r>
+              <a:rPr kumimoji="1" lang="en-US" altLang="zh-CN" dirty="0"/>
+              <a:t>3</a:t>
+            </a:r>
+            <a:endParaRPr kumimoji="1" lang="zh-SG" altLang="en-US" dirty="0"/>
+          </a:p>
+        </p:txBody>
+      </p:sp>
+      <p:sp>
+        <p:nvSpPr>
+          <p:cNvPr id="17" name="矩形 16">
+            <a:extLst>
+              <a:ext uri="{FF2B5EF4-FFF2-40B4-BE49-F238E27FC236}">
+                <a16:creationId xmlns:a16="http://schemas.microsoft.com/office/drawing/2014/main" id="{D6113D38-19AB-094A-ADCA-21DCFA5D1A2C}"/>
+              </a:ext>
+            </a:extLst>
+          </p:cNvPr>
+          <p:cNvSpPr/>
+          <p:nvPr/>
+        </p:nvSpPr>
+        <p:spPr>
+          <a:xfrm>
+            <a:off x="896447" y="1483812"/>
+            <a:ext cx="322759" cy="311108"/>
+          </a:xfrm>
+          <a:prstGeom prst="rect">
+            <a:avLst/>
+          </a:prstGeom>
+          <a:solidFill>
+            <a:srgbClr val="00B0F0"/>
+          </a:solidFill>
+          <a:ln w="19050">
+            <a:solidFill>
+              <a:schemeClr val="tx1"/>
+            </a:solidFill>
+          </a:ln>
+        </p:spPr>
+        <p:style>
+          <a:lnRef idx="2">
+            <a:schemeClr val="accent1">
+              <a:shade val="50000"/>
+            </a:schemeClr>
+          </a:lnRef>
+          <a:fillRef idx="1">
+            <a:schemeClr val="accent1"/>
+          </a:fillRef>
+          <a:effectRef idx="0">
+            <a:schemeClr val="accent1"/>
+          </a:effectRef>
+          <a:fontRef idx="minor">
+            <a:schemeClr val="lt1"/>
+          </a:fontRef>
+        </p:style>
+        <p:txBody>
+          <a:bodyPr rtlCol="0" anchor="ctr"/>
+          <a:lstStyle/>
+          <a:p>
+            <a:pPr algn="ctr"/>
+            <a:r>
+              <a:rPr kumimoji="1" lang="en-US" altLang="zh-CN" dirty="0"/>
+              <a:t>2</a:t>
+            </a:r>
+            <a:endParaRPr kumimoji="1" lang="zh-SG" altLang="en-US" dirty="0"/>
+          </a:p>
+        </p:txBody>
+      </p:sp>
+      <p:sp>
+        <p:nvSpPr>
+          <p:cNvPr id="18" name="矩形 17">
+            <a:extLst>
+              <a:ext uri="{FF2B5EF4-FFF2-40B4-BE49-F238E27FC236}">
+                <a16:creationId xmlns:a16="http://schemas.microsoft.com/office/drawing/2014/main" id="{B2496A3E-311B-B24C-A190-E5838712DEC3}"/>
+              </a:ext>
+            </a:extLst>
+          </p:cNvPr>
+          <p:cNvSpPr/>
+          <p:nvPr/>
+        </p:nvSpPr>
+        <p:spPr>
+          <a:xfrm>
+            <a:off x="896447" y="1159247"/>
+            <a:ext cx="322759" cy="311108"/>
+          </a:xfrm>
+          <a:prstGeom prst="rect">
+            <a:avLst/>
+          </a:prstGeom>
+          <a:solidFill>
+            <a:srgbClr val="00B0F0"/>
+          </a:solidFill>
+          <a:ln w="19050">
+            <a:solidFill>
+              <a:schemeClr val="tx1"/>
+            </a:solidFill>
+          </a:ln>
+        </p:spPr>
+        <p:style>
+          <a:lnRef idx="2">
+            <a:schemeClr val="accent1">
+              <a:shade val="50000"/>
+            </a:schemeClr>
+          </a:lnRef>
+          <a:fillRef idx="1">
+            <a:schemeClr val="accent1"/>
+          </a:fillRef>
+          <a:effectRef idx="0">
+            <a:schemeClr val="accent1"/>
+          </a:effectRef>
+          <a:fontRef idx="minor">
+            <a:schemeClr val="lt1"/>
+          </a:fontRef>
+        </p:style>
+        <p:txBody>
+          <a:bodyPr rtlCol="0" anchor="ctr"/>
+          <a:lstStyle/>
+          <a:p>
+            <a:pPr algn="ctr"/>
+            <a:r>
+              <a:rPr kumimoji="1" lang="en-US" altLang="zh-CN" dirty="0"/>
+              <a:t>1</a:t>
+            </a:r>
+            <a:endParaRPr kumimoji="1" lang="zh-SG" altLang="en-US" dirty="0"/>
+          </a:p>
+        </p:txBody>
+      </p:sp>
+      <p:sp>
+        <p:nvSpPr>
+          <p:cNvPr id="19" name="矩形 18">
+            <a:extLst>
+              <a:ext uri="{FF2B5EF4-FFF2-40B4-BE49-F238E27FC236}">
+                <a16:creationId xmlns:a16="http://schemas.microsoft.com/office/drawing/2014/main" id="{60A0A096-C113-8D4A-9E9C-126E3729D241}"/>
+              </a:ext>
+            </a:extLst>
+          </p:cNvPr>
+          <p:cNvSpPr/>
+          <p:nvPr/>
+        </p:nvSpPr>
+        <p:spPr>
+          <a:xfrm>
+            <a:off x="4057769" y="2173038"/>
+            <a:ext cx="322759" cy="311108"/>
+          </a:xfrm>
+          <a:prstGeom prst="rect">
+            <a:avLst/>
+          </a:prstGeom>
+          <a:solidFill>
+            <a:srgbClr val="00B0F0"/>
+          </a:solidFill>
+          <a:ln w="19050">
+            <a:solidFill>
+              <a:schemeClr val="tx1"/>
+            </a:solidFill>
+          </a:ln>
+        </p:spPr>
+        <p:style>
+          <a:lnRef idx="2">
+            <a:schemeClr val="accent1">
+              <a:shade val="50000"/>
+            </a:schemeClr>
+          </a:lnRef>
+          <a:fillRef idx="1">
+            <a:schemeClr val="accent1"/>
+          </a:fillRef>
+          <a:effectRef idx="0">
+            <a:schemeClr val="accent1"/>
+          </a:effectRef>
+          <a:fontRef idx="minor">
+            <a:schemeClr val="lt1"/>
+          </a:fontRef>
+        </p:style>
+        <p:txBody>
+          <a:bodyPr rtlCol="0" anchor="ctr"/>
+          <a:lstStyle/>
+          <a:p>
+            <a:pPr algn="ctr"/>
+            <a:r>
+              <a:rPr kumimoji="1" lang="en-US" altLang="zh-SG" dirty="0"/>
+              <a:t>1</a:t>
+            </a:r>
+            <a:endParaRPr kumimoji="1" lang="zh-SG" altLang="en-US" dirty="0"/>
+          </a:p>
+        </p:txBody>
+      </p:sp>
+      <p:sp>
+        <p:nvSpPr>
+          <p:cNvPr id="20" name="矩形 19">
+            <a:extLst>
+              <a:ext uri="{FF2B5EF4-FFF2-40B4-BE49-F238E27FC236}">
+                <a16:creationId xmlns:a16="http://schemas.microsoft.com/office/drawing/2014/main" id="{93A5370C-540B-A54D-A6C7-BB720F8D3649}"/>
+              </a:ext>
+            </a:extLst>
+          </p:cNvPr>
+          <p:cNvSpPr/>
+          <p:nvPr/>
+        </p:nvSpPr>
+        <p:spPr>
+          <a:xfrm>
+            <a:off x="4380528" y="2173038"/>
+            <a:ext cx="322759" cy="311108"/>
+          </a:xfrm>
+          <a:prstGeom prst="rect">
+            <a:avLst/>
+          </a:prstGeom>
+          <a:solidFill>
+            <a:srgbClr val="00B0F0"/>
+          </a:solidFill>
+          <a:ln w="19050">
+            <a:solidFill>
+              <a:schemeClr val="tx1"/>
+            </a:solidFill>
+          </a:ln>
+        </p:spPr>
+        <p:style>
+          <a:lnRef idx="2">
+            <a:schemeClr val="accent1">
+              <a:shade val="50000"/>
+            </a:schemeClr>
+          </a:lnRef>
+          <a:fillRef idx="1">
+            <a:schemeClr val="accent1"/>
+          </a:fillRef>
+          <a:effectRef idx="0">
+            <a:schemeClr val="accent1"/>
+          </a:effectRef>
+          <a:fontRef idx="minor">
+            <a:schemeClr val="lt1"/>
+          </a:fontRef>
+        </p:style>
+        <p:txBody>
+          <a:bodyPr rtlCol="0" anchor="ctr"/>
+          <a:lstStyle/>
+          <a:p>
+            <a:pPr algn="ctr"/>
+            <a:r>
+              <a:rPr kumimoji="1" lang="en-US" altLang="zh-SG" dirty="0"/>
+              <a:t>2</a:t>
+            </a:r>
+            <a:endParaRPr kumimoji="1" lang="zh-SG" altLang="en-US" dirty="0"/>
+          </a:p>
+        </p:txBody>
+      </p:sp>
+      <p:sp>
+        <p:nvSpPr>
+          <p:cNvPr id="21" name="矩形 20">
+            <a:extLst>
+              <a:ext uri="{FF2B5EF4-FFF2-40B4-BE49-F238E27FC236}">
+                <a16:creationId xmlns:a16="http://schemas.microsoft.com/office/drawing/2014/main" id="{345D1B23-9278-184F-9B43-5C9465217F70}"/>
+              </a:ext>
+            </a:extLst>
+          </p:cNvPr>
+          <p:cNvSpPr/>
+          <p:nvPr/>
+        </p:nvSpPr>
+        <p:spPr>
+          <a:xfrm>
+            <a:off x="4703287" y="2173038"/>
+            <a:ext cx="322759" cy="311108"/>
+          </a:xfrm>
+          <a:prstGeom prst="rect">
+            <a:avLst/>
+          </a:prstGeom>
+          <a:solidFill>
+            <a:srgbClr val="00B0F0"/>
+          </a:solidFill>
+          <a:ln w="19050">
+            <a:solidFill>
+              <a:schemeClr val="tx1"/>
+            </a:solidFill>
+          </a:ln>
+        </p:spPr>
+        <p:style>
+          <a:lnRef idx="2">
+            <a:schemeClr val="accent1">
+              <a:shade val="50000"/>
+            </a:schemeClr>
+          </a:lnRef>
+          <a:fillRef idx="1">
+            <a:schemeClr val="accent1"/>
+          </a:fillRef>
+          <a:effectRef idx="0">
+            <a:schemeClr val="accent1"/>
+          </a:effectRef>
+          <a:fontRef idx="minor">
+            <a:schemeClr val="lt1"/>
+          </a:fontRef>
+        </p:style>
+        <p:txBody>
+          <a:bodyPr rtlCol="0" anchor="ctr"/>
+          <a:lstStyle/>
+          <a:p>
+            <a:pPr algn="ctr"/>
+            <a:r>
+              <a:rPr kumimoji="1" lang="en-US" altLang="zh-SG" dirty="0"/>
+              <a:t>3</a:t>
+            </a:r>
+            <a:endParaRPr kumimoji="1" lang="zh-SG" altLang="en-US" dirty="0"/>
+          </a:p>
+        </p:txBody>
+      </p:sp>
+      <p:sp>
+        <p:nvSpPr>
+          <p:cNvPr id="22" name="矩形 21">
+            <a:extLst>
+              <a:ext uri="{FF2B5EF4-FFF2-40B4-BE49-F238E27FC236}">
+                <a16:creationId xmlns:a16="http://schemas.microsoft.com/office/drawing/2014/main" id="{82BE61A4-A6A7-C848-9715-90F3D6A50323}"/>
+              </a:ext>
+            </a:extLst>
+          </p:cNvPr>
+          <p:cNvSpPr/>
+          <p:nvPr/>
+        </p:nvSpPr>
+        <p:spPr>
+          <a:xfrm>
+            <a:off x="5026046" y="2173038"/>
+            <a:ext cx="322759" cy="311108"/>
+          </a:xfrm>
+          <a:prstGeom prst="rect">
+            <a:avLst/>
+          </a:prstGeom>
+          <a:solidFill>
+            <a:srgbClr val="00B0F0"/>
+          </a:solidFill>
+          <a:ln w="19050">
+            <a:solidFill>
+              <a:schemeClr val="tx1"/>
+            </a:solidFill>
+          </a:ln>
+        </p:spPr>
+        <p:style>
+          <a:lnRef idx="2">
+            <a:schemeClr val="accent1">
+              <a:shade val="50000"/>
+            </a:schemeClr>
+          </a:lnRef>
+          <a:fillRef idx="1">
+            <a:schemeClr val="accent1"/>
+          </a:fillRef>
+          <a:effectRef idx="0">
+            <a:schemeClr val="accent1"/>
+          </a:effectRef>
+          <a:fontRef idx="minor">
+            <a:schemeClr val="lt1"/>
+          </a:fontRef>
+        </p:style>
+        <p:txBody>
+          <a:bodyPr rtlCol="0" anchor="ctr"/>
+          <a:lstStyle/>
+          <a:p>
+            <a:pPr algn="ctr"/>
+            <a:r>
+              <a:rPr kumimoji="1" lang="en-US" altLang="zh-SG" dirty="0"/>
+              <a:t>4</a:t>
+            </a:r>
+            <a:endParaRPr kumimoji="1" lang="zh-SG" altLang="en-US" dirty="0"/>
+          </a:p>
+        </p:txBody>
+      </p:sp>
+      <p:cxnSp>
+        <p:nvCxnSpPr>
+          <p:cNvPr id="26" name="直线箭头连接符 25">
+            <a:extLst>
+              <a:ext uri="{FF2B5EF4-FFF2-40B4-BE49-F238E27FC236}">
+                <a16:creationId xmlns:a16="http://schemas.microsoft.com/office/drawing/2014/main" id="{3CCC6EA7-C361-584F-AD20-98D88DB77896}"/>
+              </a:ext>
+            </a:extLst>
+          </p:cNvPr>
+          <p:cNvCxnSpPr>
+            <a:cxnSpLocks/>
+          </p:cNvCxnSpPr>
+          <p:nvPr/>
+        </p:nvCxnSpPr>
+        <p:spPr>
+          <a:xfrm>
+            <a:off x="1315844" y="1670147"/>
+            <a:ext cx="2435642" cy="200775"/>
+          </a:xfrm>
+          <a:prstGeom prst="straightConnector1">
+            <a:avLst/>
+          </a:prstGeom>
+          <a:ln w="28575">
+            <a:solidFill>
+              <a:schemeClr val="tx1"/>
+            </a:solidFill>
+            <a:tailEnd type="triangle"/>
+          </a:ln>
+        </p:spPr>
+        <p:style>
+          <a:lnRef idx="1">
+            <a:schemeClr val="accent1"/>
+          </a:lnRef>
+          <a:fillRef idx="0">
+            <a:schemeClr val="accent1"/>
+          </a:fillRef>
+          <a:effectRef idx="0">
+            <a:schemeClr val="accent1"/>
+          </a:effectRef>
+          <a:fontRef idx="minor">
+            <a:schemeClr val="tx1"/>
+          </a:fontRef>
+        </p:style>
+      </p:cxnSp>
+      <p:cxnSp>
+        <p:nvCxnSpPr>
+          <p:cNvPr id="28" name="直线箭头连接符 27">
+            <a:extLst>
+              <a:ext uri="{FF2B5EF4-FFF2-40B4-BE49-F238E27FC236}">
+                <a16:creationId xmlns:a16="http://schemas.microsoft.com/office/drawing/2014/main" id="{E3C16DD0-BA7A-B64C-B92F-61A28656F0F6}"/>
+              </a:ext>
+            </a:extLst>
+          </p:cNvPr>
+          <p:cNvCxnSpPr>
+            <a:cxnSpLocks/>
+          </p:cNvCxnSpPr>
+          <p:nvPr/>
+        </p:nvCxnSpPr>
+        <p:spPr>
+          <a:xfrm>
+            <a:off x="1308582" y="1358949"/>
+            <a:ext cx="2435642" cy="200775"/>
+          </a:xfrm>
+          <a:prstGeom prst="straightConnector1">
+            <a:avLst/>
+          </a:prstGeom>
+          <a:ln w="28575">
+            <a:solidFill>
+              <a:schemeClr val="tx1"/>
+            </a:solidFill>
+            <a:tailEnd type="triangle"/>
+          </a:ln>
+        </p:spPr>
+        <p:style>
+          <a:lnRef idx="1">
+            <a:schemeClr val="accent1"/>
+          </a:lnRef>
+          <a:fillRef idx="0">
+            <a:schemeClr val="accent1"/>
+          </a:fillRef>
+          <a:effectRef idx="0">
+            <a:schemeClr val="accent1"/>
+          </a:effectRef>
+          <a:fontRef idx="minor">
+            <a:schemeClr val="tx1"/>
+          </a:fontRef>
+        </p:style>
+      </p:cxnSp>
+      <p:cxnSp>
+        <p:nvCxnSpPr>
+          <p:cNvPr id="29" name="直线箭头连接符 28">
+            <a:extLst>
+              <a:ext uri="{FF2B5EF4-FFF2-40B4-BE49-F238E27FC236}">
+                <a16:creationId xmlns:a16="http://schemas.microsoft.com/office/drawing/2014/main" id="{616A77B3-FE60-8540-8008-1F030B952A94}"/>
+              </a:ext>
+            </a:extLst>
+          </p:cNvPr>
+          <p:cNvCxnSpPr>
+            <a:cxnSpLocks/>
+          </p:cNvCxnSpPr>
+          <p:nvPr/>
+        </p:nvCxnSpPr>
+        <p:spPr>
+          <a:xfrm>
+            <a:off x="1331571" y="2331867"/>
+            <a:ext cx="2435642" cy="200775"/>
+          </a:xfrm>
+          <a:prstGeom prst="straightConnector1">
+            <a:avLst/>
+          </a:prstGeom>
+          <a:ln w="28575">
+            <a:solidFill>
+              <a:schemeClr val="tx1"/>
+            </a:solidFill>
+            <a:tailEnd type="triangle"/>
+          </a:ln>
+        </p:spPr>
+        <p:style>
+          <a:lnRef idx="1">
+            <a:schemeClr val="accent1"/>
+          </a:lnRef>
+          <a:fillRef idx="0">
+            <a:schemeClr val="accent1"/>
+          </a:fillRef>
+          <a:effectRef idx="0">
+            <a:schemeClr val="accent1"/>
+          </a:effectRef>
+          <a:fontRef idx="minor">
+            <a:schemeClr val="tx1"/>
+          </a:fontRef>
+        </p:style>
+      </p:cxnSp>
+      <p:cxnSp>
+        <p:nvCxnSpPr>
+          <p:cNvPr id="30" name="直线箭头连接符 29">
+            <a:extLst>
+              <a:ext uri="{FF2B5EF4-FFF2-40B4-BE49-F238E27FC236}">
+                <a16:creationId xmlns:a16="http://schemas.microsoft.com/office/drawing/2014/main" id="{93659060-8F7B-D041-8F81-B68210AD499E}"/>
+              </a:ext>
+            </a:extLst>
+          </p:cNvPr>
+          <p:cNvCxnSpPr>
+            <a:cxnSpLocks/>
+          </p:cNvCxnSpPr>
+          <p:nvPr/>
+        </p:nvCxnSpPr>
+        <p:spPr>
+          <a:xfrm>
+            <a:off x="1315844" y="2009062"/>
+            <a:ext cx="2435642" cy="200775"/>
+          </a:xfrm>
+          <a:prstGeom prst="straightConnector1">
+            <a:avLst/>
+          </a:prstGeom>
+          <a:ln w="28575">
+            <a:solidFill>
+              <a:schemeClr val="tx1"/>
+            </a:solidFill>
+            <a:tailEnd type="triangle"/>
+          </a:ln>
+        </p:spPr>
+        <p:style>
+          <a:lnRef idx="1">
+            <a:schemeClr val="accent1"/>
+          </a:lnRef>
+          <a:fillRef idx="0">
+            <a:schemeClr val="accent1"/>
+          </a:fillRef>
+          <a:effectRef idx="0">
+            <a:schemeClr val="accent1"/>
+          </a:effectRef>
+          <a:fontRef idx="minor">
+            <a:schemeClr val="tx1"/>
+          </a:fontRef>
+        </p:style>
+      </p:cxnSp>
+      <p:cxnSp>
+        <p:nvCxnSpPr>
+          <p:cNvPr id="31" name="直线箭头连接符 30">
+            <a:extLst>
+              <a:ext uri="{FF2B5EF4-FFF2-40B4-BE49-F238E27FC236}">
+                <a16:creationId xmlns:a16="http://schemas.microsoft.com/office/drawing/2014/main" id="{FC60DA94-2269-F24B-98C7-A223AAFAD8A2}"/>
+              </a:ext>
+            </a:extLst>
+          </p:cNvPr>
+          <p:cNvCxnSpPr>
+            <a:cxnSpLocks/>
+          </p:cNvCxnSpPr>
+          <p:nvPr/>
+        </p:nvCxnSpPr>
+        <p:spPr>
+          <a:xfrm>
+            <a:off x="1338164" y="2912785"/>
+            <a:ext cx="1315826" cy="113456"/>
+          </a:xfrm>
+          <a:prstGeom prst="straightConnector1">
+            <a:avLst/>
+          </a:prstGeom>
+          <a:ln w="28575">
+            <a:solidFill>
+              <a:schemeClr val="tx1"/>
+            </a:solidFill>
+            <a:tailEnd type="triangle"/>
+          </a:ln>
+        </p:spPr>
+        <p:style>
+          <a:lnRef idx="1">
+            <a:schemeClr val="accent1"/>
+          </a:lnRef>
+          <a:fillRef idx="0">
+            <a:schemeClr val="accent1"/>
+          </a:fillRef>
+          <a:effectRef idx="0">
+            <a:schemeClr val="accent1"/>
+          </a:effectRef>
+          <a:fontRef idx="minor">
+            <a:schemeClr val="tx1"/>
+          </a:fontRef>
+        </p:style>
+      </p:cxnSp>
+      <p:cxnSp>
+        <p:nvCxnSpPr>
+          <p:cNvPr id="32" name="直线箭头连接符 31">
+            <a:extLst>
+              <a:ext uri="{FF2B5EF4-FFF2-40B4-BE49-F238E27FC236}">
+                <a16:creationId xmlns:a16="http://schemas.microsoft.com/office/drawing/2014/main" id="{C3056757-3747-9446-B285-8729B770A4D9}"/>
+              </a:ext>
+            </a:extLst>
+          </p:cNvPr>
+          <p:cNvCxnSpPr>
+            <a:cxnSpLocks/>
+          </p:cNvCxnSpPr>
+          <p:nvPr/>
+        </p:nvCxnSpPr>
+        <p:spPr>
+          <a:xfrm>
+            <a:off x="1323107" y="2586338"/>
+            <a:ext cx="1330883" cy="93052"/>
+          </a:xfrm>
+          <a:prstGeom prst="straightConnector1">
+            <a:avLst/>
+          </a:prstGeom>
+          <a:ln w="28575">
+            <a:solidFill>
+              <a:schemeClr val="tx1"/>
+            </a:solidFill>
+            <a:tailEnd type="triangle"/>
+          </a:ln>
+        </p:spPr>
+        <p:style>
+          <a:lnRef idx="1">
+            <a:schemeClr val="accent1"/>
+          </a:lnRef>
+          <a:fillRef idx="0">
+            <a:schemeClr val="accent1"/>
+          </a:fillRef>
+          <a:effectRef idx="0">
+            <a:schemeClr val="accent1"/>
+          </a:effectRef>
+          <a:fontRef idx="minor">
+            <a:schemeClr val="tx1"/>
+          </a:fontRef>
+        </p:style>
+      </p:cxnSp>
+      <p:cxnSp>
+        <p:nvCxnSpPr>
+          <p:cNvPr id="35" name="直线箭头连接符 34">
+            <a:extLst>
+              <a:ext uri="{FF2B5EF4-FFF2-40B4-BE49-F238E27FC236}">
+                <a16:creationId xmlns:a16="http://schemas.microsoft.com/office/drawing/2014/main" id="{47DA032A-69CC-9A40-A270-AFCADD6D3023}"/>
+              </a:ext>
+            </a:extLst>
+          </p:cNvPr>
+          <p:cNvCxnSpPr>
+            <a:cxnSpLocks/>
+          </p:cNvCxnSpPr>
+          <p:nvPr/>
+        </p:nvCxnSpPr>
+        <p:spPr>
+          <a:xfrm>
+            <a:off x="1308582" y="3241996"/>
+            <a:ext cx="2435642" cy="200775"/>
+          </a:xfrm>
+          <a:prstGeom prst="straightConnector1">
+            <a:avLst/>
+          </a:prstGeom>
+          <a:ln w="28575">
+            <a:solidFill>
+              <a:schemeClr val="tx1"/>
+            </a:solidFill>
+            <a:tailEnd type="triangle"/>
+          </a:ln>
+        </p:spPr>
+        <p:style>
+          <a:lnRef idx="1">
+            <a:schemeClr val="accent1"/>
+          </a:lnRef>
+          <a:fillRef idx="0">
+            <a:schemeClr val="accent1"/>
+          </a:fillRef>
+          <a:effectRef idx="0">
+            <a:schemeClr val="accent1"/>
+          </a:effectRef>
+          <a:fontRef idx="minor">
+            <a:schemeClr val="tx1"/>
+          </a:fontRef>
+        </p:style>
+      </p:cxnSp>
+      <p:cxnSp>
+        <p:nvCxnSpPr>
+          <p:cNvPr id="37" name="直线连接符 36">
+            <a:extLst>
+              <a:ext uri="{FF2B5EF4-FFF2-40B4-BE49-F238E27FC236}">
+                <a16:creationId xmlns:a16="http://schemas.microsoft.com/office/drawing/2014/main" id="{8995DC9D-2730-B240-9A82-5AAB501D4F8E}"/>
+              </a:ext>
+            </a:extLst>
+          </p:cNvPr>
+          <p:cNvCxnSpPr>
+            <a:cxnSpLocks/>
+          </p:cNvCxnSpPr>
+          <p:nvPr/>
+        </p:nvCxnSpPr>
+        <p:spPr>
+          <a:xfrm>
+            <a:off x="3991954" y="2128864"/>
+            <a:ext cx="1647407" cy="0"/>
+          </a:xfrm>
+          <a:prstGeom prst="line">
+            <a:avLst/>
+          </a:prstGeom>
+          <a:ln w="28575">
+            <a:solidFill>
+              <a:schemeClr val="tx1"/>
+            </a:solidFill>
+          </a:ln>
+        </p:spPr>
+        <p:style>
+          <a:lnRef idx="1">
+            <a:schemeClr val="accent1"/>
+          </a:lnRef>
+          <a:fillRef idx="0">
+            <a:schemeClr val="accent1"/>
+          </a:fillRef>
+          <a:effectRef idx="0">
+            <a:schemeClr val="accent1"/>
+          </a:effectRef>
+          <a:fontRef idx="minor">
+            <a:schemeClr val="tx1"/>
+          </a:fontRef>
+        </p:style>
+      </p:cxnSp>
+      <p:cxnSp>
+        <p:nvCxnSpPr>
+          <p:cNvPr id="40" name="直线连接符 39">
+            <a:extLst>
+              <a:ext uri="{FF2B5EF4-FFF2-40B4-BE49-F238E27FC236}">
+                <a16:creationId xmlns:a16="http://schemas.microsoft.com/office/drawing/2014/main" id="{E71DBF90-8767-2340-B922-59EC5D4DD2A8}"/>
+              </a:ext>
+            </a:extLst>
+          </p:cNvPr>
+          <p:cNvCxnSpPr>
+            <a:cxnSpLocks/>
+          </p:cNvCxnSpPr>
+          <p:nvPr/>
+        </p:nvCxnSpPr>
+        <p:spPr>
+          <a:xfrm>
+            <a:off x="3991955" y="2561833"/>
+            <a:ext cx="1647407" cy="0"/>
+          </a:xfrm>
+          <a:prstGeom prst="line">
+            <a:avLst/>
+          </a:prstGeom>
+          <a:ln w="28575">
+            <a:solidFill>
+              <a:schemeClr val="tx1"/>
+            </a:solidFill>
+          </a:ln>
+        </p:spPr>
+        <p:style>
+          <a:lnRef idx="1">
+            <a:schemeClr val="accent1"/>
+          </a:lnRef>
+          <a:fillRef idx="0">
+            <a:schemeClr val="accent1"/>
+          </a:fillRef>
+          <a:effectRef idx="0">
+            <a:schemeClr val="accent1"/>
+          </a:effectRef>
+          <a:fontRef idx="minor">
+            <a:schemeClr val="tx1"/>
+          </a:fontRef>
+        </p:style>
+      </p:cxnSp>
+      <p:cxnSp>
+        <p:nvCxnSpPr>
+          <p:cNvPr id="41" name="直线连接符 40">
+            <a:extLst>
+              <a:ext uri="{FF2B5EF4-FFF2-40B4-BE49-F238E27FC236}">
+                <a16:creationId xmlns:a16="http://schemas.microsoft.com/office/drawing/2014/main" id="{D178BD77-D0C9-AD48-8228-FECD6A5D933D}"/>
+              </a:ext>
+            </a:extLst>
+          </p:cNvPr>
+          <p:cNvCxnSpPr>
+            <a:cxnSpLocks/>
+          </p:cNvCxnSpPr>
+          <p:nvPr/>
+        </p:nvCxnSpPr>
+        <p:spPr>
+          <a:xfrm>
+            <a:off x="3987106" y="2128864"/>
+            <a:ext cx="8049" cy="447784"/>
+          </a:xfrm>
+          <a:prstGeom prst="line">
+            <a:avLst/>
+          </a:prstGeom>
+          <a:ln w="28575">
+            <a:solidFill>
+              <a:schemeClr val="tx1"/>
+            </a:solidFill>
+          </a:ln>
+        </p:spPr>
+        <p:style>
+          <a:lnRef idx="1">
+            <a:schemeClr val="accent1"/>
+          </a:lnRef>
+          <a:fillRef idx="0">
+            <a:schemeClr val="accent1"/>
+          </a:fillRef>
+          <a:effectRef idx="0">
+            <a:schemeClr val="accent1"/>
+          </a:effectRef>
+          <a:fontRef idx="minor">
+            <a:schemeClr val="tx1"/>
+          </a:fontRef>
+        </p:style>
+      </p:cxnSp>
+      <p:sp>
+        <p:nvSpPr>
+          <p:cNvPr id="49" name="文本框 48">
+            <a:extLst>
+              <a:ext uri="{FF2B5EF4-FFF2-40B4-BE49-F238E27FC236}">
+                <a16:creationId xmlns:a16="http://schemas.microsoft.com/office/drawing/2014/main" id="{79459CC6-9A41-DB41-963F-9BBE8000847D}"/>
+              </a:ext>
+            </a:extLst>
+          </p:cNvPr>
+          <p:cNvSpPr txBox="1"/>
+          <p:nvPr/>
+        </p:nvSpPr>
+        <p:spPr>
+          <a:xfrm>
+            <a:off x="5334469" y="2151060"/>
+            <a:ext cx="304892" cy="369332"/>
+          </a:xfrm>
+          <a:prstGeom prst="rect">
+            <a:avLst/>
+          </a:prstGeom>
+          <a:noFill/>
+        </p:spPr>
+        <p:txBody>
+          <a:bodyPr wrap="none" rtlCol="0">
+            <a:spAutoFit/>
+          </a:bodyPr>
+          <a:lstStyle/>
+          <a:p>
+            <a:r>
+              <a:rPr kumimoji="1" lang="en-US" altLang="zh-SG" dirty="0">
+                <a:solidFill>
+                  <a:srgbClr val="FF0000"/>
+                </a:solidFill>
+              </a:rPr>
+              <a:t>X</a:t>
+            </a:r>
+            <a:endParaRPr kumimoji="1" lang="zh-SG" altLang="en-US" dirty="0">
+              <a:solidFill>
+                <a:srgbClr val="FF0000"/>
+              </a:solidFill>
+            </a:endParaRPr>
+          </a:p>
+        </p:txBody>
+      </p:sp>
+      <p:sp>
+        <p:nvSpPr>
+          <p:cNvPr id="78" name="矩形 77">
+            <a:extLst>
+              <a:ext uri="{FF2B5EF4-FFF2-40B4-BE49-F238E27FC236}">
+                <a16:creationId xmlns:a16="http://schemas.microsoft.com/office/drawing/2014/main" id="{26175C6F-6D10-CA49-9FAD-FFDEF860F31A}"/>
+              </a:ext>
+            </a:extLst>
+          </p:cNvPr>
+          <p:cNvSpPr/>
+          <p:nvPr/>
+        </p:nvSpPr>
+        <p:spPr>
+          <a:xfrm>
+            <a:off x="3981281" y="3281957"/>
+            <a:ext cx="322759" cy="311108"/>
+          </a:xfrm>
+          <a:prstGeom prst="rect">
+            <a:avLst/>
+          </a:prstGeom>
+          <a:solidFill>
+            <a:srgbClr val="00B0F0"/>
+          </a:solidFill>
+          <a:ln w="19050">
+            <a:solidFill>
+              <a:schemeClr val="tx1"/>
+            </a:solidFill>
+          </a:ln>
+        </p:spPr>
+        <p:style>
+          <a:lnRef idx="2">
+            <a:schemeClr val="accent1">
+              <a:shade val="50000"/>
+            </a:schemeClr>
+          </a:lnRef>
+          <a:fillRef idx="1">
+            <a:schemeClr val="accent1"/>
+          </a:fillRef>
+          <a:effectRef idx="0">
+            <a:schemeClr val="accent1"/>
+          </a:effectRef>
+          <a:fontRef idx="minor">
+            <a:schemeClr val="lt1"/>
+          </a:fontRef>
+        </p:style>
+        <p:txBody>
+          <a:bodyPr rtlCol="0" anchor="ctr"/>
+          <a:lstStyle/>
+          <a:p>
+            <a:pPr algn="ctr"/>
+            <a:r>
+              <a:rPr kumimoji="1" lang="en-US" altLang="zh-CN" dirty="0"/>
+              <a:t>7</a:t>
+            </a:r>
+            <a:endParaRPr kumimoji="1" lang="zh-SG" altLang="en-US" dirty="0"/>
+          </a:p>
+        </p:txBody>
+      </p:sp>
+      <p:sp>
+        <p:nvSpPr>
+          <p:cNvPr id="79" name="文本框 78">
+            <a:extLst>
+              <a:ext uri="{FF2B5EF4-FFF2-40B4-BE49-F238E27FC236}">
+                <a16:creationId xmlns:a16="http://schemas.microsoft.com/office/drawing/2014/main" id="{266FCF55-A7A8-D04D-B6B9-062C83168907}"/>
+              </a:ext>
+            </a:extLst>
+          </p:cNvPr>
+          <p:cNvSpPr txBox="1"/>
+          <p:nvPr/>
+        </p:nvSpPr>
+        <p:spPr>
+          <a:xfrm>
+            <a:off x="4304040" y="3252845"/>
+            <a:ext cx="304892" cy="369332"/>
+          </a:xfrm>
+          <a:prstGeom prst="rect">
+            <a:avLst/>
+          </a:prstGeom>
+          <a:noFill/>
+        </p:spPr>
+        <p:txBody>
+          <a:bodyPr wrap="none" rtlCol="0">
+            <a:spAutoFit/>
+          </a:bodyPr>
+          <a:lstStyle/>
+          <a:p>
+            <a:r>
+              <a:rPr kumimoji="1" lang="en-US" altLang="zh-SG" dirty="0">
+                <a:solidFill>
+                  <a:srgbClr val="FF0000"/>
+                </a:solidFill>
+              </a:rPr>
+              <a:t>X</a:t>
+            </a:r>
+            <a:endParaRPr kumimoji="1" lang="zh-SG" altLang="en-US" dirty="0">
+              <a:solidFill>
+                <a:srgbClr val="FF0000"/>
+              </a:solidFill>
+            </a:endParaRPr>
+          </a:p>
+        </p:txBody>
+      </p:sp>
+      <p:cxnSp>
+        <p:nvCxnSpPr>
+          <p:cNvPr id="80" name="直线连接符 79">
+            <a:extLst>
+              <a:ext uri="{FF2B5EF4-FFF2-40B4-BE49-F238E27FC236}">
+                <a16:creationId xmlns:a16="http://schemas.microsoft.com/office/drawing/2014/main" id="{5784F7C0-4D51-5349-9131-DFA6344C0825}"/>
+              </a:ext>
+            </a:extLst>
+          </p:cNvPr>
+          <p:cNvCxnSpPr>
+            <a:cxnSpLocks/>
+          </p:cNvCxnSpPr>
+          <p:nvPr/>
+        </p:nvCxnSpPr>
+        <p:spPr>
+          <a:xfrm>
+            <a:off x="7355860" y="1060066"/>
+            <a:ext cx="15727" cy="3121641"/>
+          </a:xfrm>
+          <a:prstGeom prst="line">
+            <a:avLst/>
+          </a:prstGeom>
+          <a:ln w="28575">
+            <a:solidFill>
+              <a:schemeClr val="tx1"/>
+            </a:solidFill>
+          </a:ln>
+        </p:spPr>
+        <p:style>
+          <a:lnRef idx="1">
+            <a:schemeClr val="accent1"/>
+          </a:lnRef>
+          <a:fillRef idx="0">
+            <a:schemeClr val="accent1"/>
+          </a:fillRef>
+          <a:effectRef idx="0">
+            <a:schemeClr val="accent1"/>
+          </a:effectRef>
+          <a:fontRef idx="minor">
+            <a:schemeClr val="tx1"/>
+          </a:fontRef>
+        </p:style>
+      </p:cxnSp>
+      <p:cxnSp>
+        <p:nvCxnSpPr>
+          <p:cNvPr id="81" name="直线连接符 80">
+            <a:extLst>
+              <a:ext uri="{FF2B5EF4-FFF2-40B4-BE49-F238E27FC236}">
+                <a16:creationId xmlns:a16="http://schemas.microsoft.com/office/drawing/2014/main" id="{00D57EF2-0087-044D-8D07-BFDF568182A1}"/>
+              </a:ext>
+            </a:extLst>
+          </p:cNvPr>
+          <p:cNvCxnSpPr>
+            <a:cxnSpLocks/>
+          </p:cNvCxnSpPr>
+          <p:nvPr/>
+        </p:nvCxnSpPr>
+        <p:spPr>
+          <a:xfrm>
+            <a:off x="9796349" y="1060065"/>
+            <a:ext cx="10880" cy="3121642"/>
+          </a:xfrm>
+          <a:prstGeom prst="line">
+            <a:avLst/>
+          </a:prstGeom>
+          <a:ln w="28575">
+            <a:solidFill>
+              <a:schemeClr val="tx1"/>
+            </a:solidFill>
+          </a:ln>
+        </p:spPr>
+        <p:style>
+          <a:lnRef idx="1">
+            <a:schemeClr val="accent1"/>
+          </a:lnRef>
+          <a:fillRef idx="0">
+            <a:schemeClr val="accent1"/>
+          </a:fillRef>
+          <a:effectRef idx="0">
+            <a:schemeClr val="accent1"/>
+          </a:effectRef>
+          <a:fontRef idx="minor">
+            <a:schemeClr val="tx1"/>
+          </a:fontRef>
+        </p:style>
+      </p:cxnSp>
+      <p:sp>
+        <p:nvSpPr>
+          <p:cNvPr id="82" name="文本框 81">
+            <a:extLst>
+              <a:ext uri="{FF2B5EF4-FFF2-40B4-BE49-F238E27FC236}">
+                <a16:creationId xmlns:a16="http://schemas.microsoft.com/office/drawing/2014/main" id="{AA8F73B3-9A69-3E45-BBA5-88263327236D}"/>
+              </a:ext>
+            </a:extLst>
+          </p:cNvPr>
+          <p:cNvSpPr txBox="1"/>
+          <p:nvPr/>
+        </p:nvSpPr>
+        <p:spPr>
+          <a:xfrm>
+            <a:off x="7041158" y="690734"/>
+            <a:ext cx="498278" cy="400110"/>
+          </a:xfrm>
+          <a:prstGeom prst="rect">
+            <a:avLst/>
+          </a:prstGeom>
+          <a:noFill/>
+        </p:spPr>
+        <p:txBody>
+          <a:bodyPr wrap="none" rtlCol="0">
+            <a:spAutoFit/>
+          </a:bodyPr>
+          <a:lstStyle/>
+          <a:p>
+            <a:r>
+              <a:rPr kumimoji="1" lang="en-US" altLang="zh-SG" sz="2000" dirty="0" err="1"/>
+              <a:t>Src</a:t>
+            </a:r>
+            <a:endParaRPr kumimoji="1" lang="zh-SG" altLang="en-US" sz="2000" dirty="0"/>
+          </a:p>
+        </p:txBody>
+      </p:sp>
+      <p:sp>
+        <p:nvSpPr>
+          <p:cNvPr id="83" name="文本框 82">
+            <a:extLst>
+              <a:ext uri="{FF2B5EF4-FFF2-40B4-BE49-F238E27FC236}">
+                <a16:creationId xmlns:a16="http://schemas.microsoft.com/office/drawing/2014/main" id="{320254F6-AC0D-0A4E-8B41-77ADF2BA6993}"/>
+              </a:ext>
+            </a:extLst>
+          </p:cNvPr>
+          <p:cNvSpPr txBox="1"/>
+          <p:nvPr/>
+        </p:nvSpPr>
+        <p:spPr>
+          <a:xfrm>
+            <a:off x="9550609" y="690734"/>
+            <a:ext cx="526426" cy="400110"/>
+          </a:xfrm>
+          <a:prstGeom prst="rect">
+            <a:avLst/>
+          </a:prstGeom>
+          <a:noFill/>
+        </p:spPr>
+        <p:txBody>
+          <a:bodyPr wrap="none" rtlCol="0">
+            <a:spAutoFit/>
+          </a:bodyPr>
+          <a:lstStyle/>
+          <a:p>
+            <a:r>
+              <a:rPr kumimoji="1" lang="en-US" altLang="zh-CN" sz="2000" dirty="0" err="1"/>
+              <a:t>Dst</a:t>
+            </a:r>
+            <a:endParaRPr kumimoji="1" lang="zh-SG" altLang="en-US" sz="2000" dirty="0"/>
+          </a:p>
+        </p:txBody>
+      </p:sp>
+      <p:sp>
+        <p:nvSpPr>
+          <p:cNvPr id="84" name="矩形 83">
+            <a:extLst>
+              <a:ext uri="{FF2B5EF4-FFF2-40B4-BE49-F238E27FC236}">
+                <a16:creationId xmlns:a16="http://schemas.microsoft.com/office/drawing/2014/main" id="{57EA46BD-178C-A04D-8A30-B6D212F6DA1F}"/>
+              </a:ext>
+            </a:extLst>
+          </p:cNvPr>
+          <p:cNvSpPr/>
+          <p:nvPr/>
+        </p:nvSpPr>
+        <p:spPr>
+          <a:xfrm>
+            <a:off x="6936463" y="3783608"/>
+            <a:ext cx="322759" cy="311108"/>
+          </a:xfrm>
+          <a:prstGeom prst="rect">
+            <a:avLst/>
+          </a:prstGeom>
+          <a:solidFill>
+            <a:srgbClr val="00B0F0"/>
+          </a:solidFill>
+          <a:ln w="19050">
+            <a:solidFill>
+              <a:schemeClr val="tx1"/>
+            </a:solidFill>
+          </a:ln>
+        </p:spPr>
+        <p:style>
+          <a:lnRef idx="2">
+            <a:schemeClr val="accent1">
+              <a:shade val="50000"/>
+            </a:schemeClr>
+          </a:lnRef>
+          <a:fillRef idx="1">
+            <a:schemeClr val="accent1"/>
+          </a:fillRef>
+          <a:effectRef idx="0">
+            <a:schemeClr val="accent1"/>
+          </a:effectRef>
+          <a:fontRef idx="minor">
+            <a:schemeClr val="lt1"/>
+          </a:fontRef>
+        </p:style>
+        <p:txBody>
+          <a:bodyPr rtlCol="0" anchor="ctr"/>
+          <a:lstStyle/>
+          <a:p>
+            <a:pPr algn="ctr"/>
+            <a:r>
+              <a:rPr kumimoji="1" lang="en-US" altLang="zh-CN" dirty="0"/>
+              <a:t>9</a:t>
+            </a:r>
+            <a:endParaRPr kumimoji="1" lang="zh-SG" altLang="en-US" dirty="0"/>
+          </a:p>
+        </p:txBody>
+      </p:sp>
+      <p:sp>
+        <p:nvSpPr>
+          <p:cNvPr id="85" name="矩形 84">
+            <a:extLst>
+              <a:ext uri="{FF2B5EF4-FFF2-40B4-BE49-F238E27FC236}">
+                <a16:creationId xmlns:a16="http://schemas.microsoft.com/office/drawing/2014/main" id="{1F4871DA-101C-714E-99B9-8650B8013D24}"/>
+              </a:ext>
+            </a:extLst>
+          </p:cNvPr>
+          <p:cNvSpPr/>
+          <p:nvPr/>
+        </p:nvSpPr>
+        <p:spPr>
+          <a:xfrm>
+            <a:off x="6936463" y="3455703"/>
+            <a:ext cx="322759" cy="311108"/>
+          </a:xfrm>
+          <a:prstGeom prst="rect">
+            <a:avLst/>
+          </a:prstGeom>
+          <a:solidFill>
+            <a:srgbClr val="00B0F0"/>
+          </a:solidFill>
+          <a:ln w="19050">
+            <a:solidFill>
+              <a:schemeClr val="tx1"/>
+            </a:solidFill>
+          </a:ln>
+        </p:spPr>
+        <p:style>
+          <a:lnRef idx="2">
+            <a:schemeClr val="accent1">
+              <a:shade val="50000"/>
+            </a:schemeClr>
+          </a:lnRef>
+          <a:fillRef idx="1">
+            <a:schemeClr val="accent1"/>
+          </a:fillRef>
+          <a:effectRef idx="0">
+            <a:schemeClr val="accent1"/>
+          </a:effectRef>
+          <a:fontRef idx="minor">
+            <a:schemeClr val="lt1"/>
+          </a:fontRef>
+        </p:style>
+        <p:txBody>
+          <a:bodyPr rtlCol="0" anchor="ctr"/>
+          <a:lstStyle/>
+          <a:p>
+            <a:pPr algn="ctr"/>
+            <a:r>
+              <a:rPr kumimoji="1" lang="en-US" altLang="zh-CN" dirty="0"/>
+              <a:t>8</a:t>
+            </a:r>
+            <a:endParaRPr kumimoji="1" lang="zh-SG" altLang="en-US" dirty="0"/>
+          </a:p>
+        </p:txBody>
+      </p:sp>
+      <p:sp>
+        <p:nvSpPr>
+          <p:cNvPr id="86" name="矩形 85">
+            <a:extLst>
+              <a:ext uri="{FF2B5EF4-FFF2-40B4-BE49-F238E27FC236}">
+                <a16:creationId xmlns:a16="http://schemas.microsoft.com/office/drawing/2014/main" id="{DE5B08B8-76E9-D442-A5CA-03B89387490B}"/>
+              </a:ext>
+            </a:extLst>
+          </p:cNvPr>
+          <p:cNvSpPr/>
+          <p:nvPr/>
+        </p:nvSpPr>
+        <p:spPr>
+          <a:xfrm>
+            <a:off x="6936463" y="3142161"/>
+            <a:ext cx="322759" cy="311108"/>
+          </a:xfrm>
+          <a:prstGeom prst="rect">
+            <a:avLst/>
+          </a:prstGeom>
+          <a:solidFill>
+            <a:srgbClr val="00B0F0"/>
+          </a:solidFill>
+          <a:ln w="19050">
+            <a:solidFill>
+              <a:schemeClr val="tx1"/>
+            </a:solidFill>
+          </a:ln>
+        </p:spPr>
+        <p:style>
+          <a:lnRef idx="2">
+            <a:schemeClr val="accent1">
+              <a:shade val="50000"/>
+            </a:schemeClr>
+          </a:lnRef>
+          <a:fillRef idx="1">
+            <a:schemeClr val="accent1"/>
+          </a:fillRef>
+          <a:effectRef idx="0">
+            <a:schemeClr val="accent1"/>
+          </a:effectRef>
+          <a:fontRef idx="minor">
+            <a:schemeClr val="lt1"/>
+          </a:fontRef>
+        </p:style>
+        <p:txBody>
+          <a:bodyPr rtlCol="0" anchor="ctr"/>
+          <a:lstStyle/>
+          <a:p>
+            <a:pPr algn="ctr"/>
+            <a:r>
+              <a:rPr kumimoji="1" lang="en-US" altLang="zh-CN" dirty="0"/>
+              <a:t>7</a:t>
+            </a:r>
+            <a:endParaRPr kumimoji="1" lang="zh-SG" altLang="en-US" dirty="0"/>
+          </a:p>
+        </p:txBody>
+      </p:sp>
+      <p:sp>
+        <p:nvSpPr>
+          <p:cNvPr id="87" name="矩形 86">
+            <a:extLst>
+              <a:ext uri="{FF2B5EF4-FFF2-40B4-BE49-F238E27FC236}">
+                <a16:creationId xmlns:a16="http://schemas.microsoft.com/office/drawing/2014/main" id="{CB6AC251-013A-0245-B680-04B21B7105CE}"/>
+              </a:ext>
+            </a:extLst>
+          </p:cNvPr>
+          <p:cNvSpPr/>
+          <p:nvPr/>
+        </p:nvSpPr>
+        <p:spPr>
+          <a:xfrm>
+            <a:off x="6936463" y="2772086"/>
+            <a:ext cx="322759" cy="311108"/>
+          </a:xfrm>
+          <a:prstGeom prst="rect">
+            <a:avLst/>
+          </a:prstGeom>
+          <a:solidFill>
+            <a:srgbClr val="00B0F0"/>
+          </a:solidFill>
+          <a:ln w="19050">
+            <a:solidFill>
+              <a:schemeClr val="tx1"/>
+            </a:solidFill>
+          </a:ln>
+        </p:spPr>
+        <p:style>
+          <a:lnRef idx="2">
+            <a:schemeClr val="accent1">
+              <a:shade val="50000"/>
+            </a:schemeClr>
+          </a:lnRef>
+          <a:fillRef idx="1">
+            <a:schemeClr val="accent1"/>
+          </a:fillRef>
+          <a:effectRef idx="0">
+            <a:schemeClr val="accent1"/>
+          </a:effectRef>
+          <a:fontRef idx="minor">
+            <a:schemeClr val="lt1"/>
+          </a:fontRef>
+        </p:style>
+        <p:txBody>
+          <a:bodyPr rtlCol="0" anchor="ctr"/>
+          <a:lstStyle/>
+          <a:p>
+            <a:pPr algn="ctr"/>
+            <a:r>
+              <a:rPr kumimoji="1" lang="en-US" altLang="zh-CN" dirty="0"/>
+              <a:t>6</a:t>
+            </a:r>
+            <a:endParaRPr kumimoji="1" lang="zh-SG" altLang="en-US" dirty="0"/>
+          </a:p>
+        </p:txBody>
+      </p:sp>
+      <p:sp>
+        <p:nvSpPr>
+          <p:cNvPr id="88" name="矩形 87">
+            <a:extLst>
+              <a:ext uri="{FF2B5EF4-FFF2-40B4-BE49-F238E27FC236}">
+                <a16:creationId xmlns:a16="http://schemas.microsoft.com/office/drawing/2014/main" id="{503E3F41-523E-0B4E-830D-7AADF72B1D82}"/>
+              </a:ext>
+            </a:extLst>
+          </p:cNvPr>
+          <p:cNvSpPr/>
+          <p:nvPr/>
+        </p:nvSpPr>
+        <p:spPr>
+          <a:xfrm>
+            <a:off x="6936463" y="2446615"/>
+            <a:ext cx="322759" cy="311108"/>
+          </a:xfrm>
+          <a:prstGeom prst="rect">
+            <a:avLst/>
+          </a:prstGeom>
+          <a:solidFill>
+            <a:srgbClr val="00B0F0"/>
+          </a:solidFill>
+          <a:ln w="19050">
+            <a:solidFill>
+              <a:schemeClr val="tx1"/>
+            </a:solidFill>
+          </a:ln>
+        </p:spPr>
+        <p:style>
+          <a:lnRef idx="2">
+            <a:schemeClr val="accent1">
+              <a:shade val="50000"/>
+            </a:schemeClr>
+          </a:lnRef>
+          <a:fillRef idx="1">
+            <a:schemeClr val="accent1"/>
+          </a:fillRef>
+          <a:effectRef idx="0">
+            <a:schemeClr val="accent1"/>
+          </a:effectRef>
+          <a:fontRef idx="minor">
+            <a:schemeClr val="lt1"/>
+          </a:fontRef>
+        </p:style>
+        <p:txBody>
+          <a:bodyPr rtlCol="0" anchor="ctr"/>
+          <a:lstStyle/>
+          <a:p>
+            <a:pPr algn="ctr"/>
+            <a:r>
+              <a:rPr kumimoji="1" lang="en-US" altLang="zh-SG" dirty="0"/>
+              <a:t>5</a:t>
+            </a:r>
+            <a:endParaRPr kumimoji="1" lang="zh-SG" altLang="en-US" dirty="0"/>
+          </a:p>
+        </p:txBody>
+      </p:sp>
+      <p:sp>
+        <p:nvSpPr>
+          <p:cNvPr id="89" name="矩形 88">
+            <a:extLst>
+              <a:ext uri="{FF2B5EF4-FFF2-40B4-BE49-F238E27FC236}">
+                <a16:creationId xmlns:a16="http://schemas.microsoft.com/office/drawing/2014/main" id="{06F954CC-6D84-DB4A-9D9F-5A43C98075AA}"/>
+              </a:ext>
+            </a:extLst>
+          </p:cNvPr>
+          <p:cNvSpPr/>
+          <p:nvPr/>
+        </p:nvSpPr>
+        <p:spPr>
+          <a:xfrm>
+            <a:off x="6936463" y="2121144"/>
+            <a:ext cx="322759" cy="311108"/>
+          </a:xfrm>
+          <a:prstGeom prst="rect">
+            <a:avLst/>
+          </a:prstGeom>
+          <a:solidFill>
+            <a:srgbClr val="00B0F0"/>
+          </a:solidFill>
+          <a:ln w="19050">
+            <a:solidFill>
+              <a:schemeClr val="tx1"/>
+            </a:solidFill>
+          </a:ln>
+        </p:spPr>
+        <p:style>
+          <a:lnRef idx="2">
+            <a:schemeClr val="accent1">
+              <a:shade val="50000"/>
+            </a:schemeClr>
+          </a:lnRef>
+          <a:fillRef idx="1">
+            <a:schemeClr val="accent1"/>
+          </a:fillRef>
+          <a:effectRef idx="0">
+            <a:schemeClr val="accent1"/>
+          </a:effectRef>
+          <a:fontRef idx="minor">
+            <a:schemeClr val="lt1"/>
+          </a:fontRef>
+        </p:style>
+        <p:txBody>
+          <a:bodyPr rtlCol="0" anchor="ctr"/>
+          <a:lstStyle/>
+          <a:p>
+            <a:pPr algn="ctr"/>
+            <a:r>
+              <a:rPr kumimoji="1" lang="en-US" altLang="zh-CN" dirty="0"/>
+              <a:t>4</a:t>
+            </a:r>
+            <a:endParaRPr kumimoji="1" lang="zh-SG" altLang="en-US" dirty="0"/>
+          </a:p>
+        </p:txBody>
+      </p:sp>
+      <p:sp>
+        <p:nvSpPr>
+          <p:cNvPr id="90" name="矩形 89">
+            <a:extLst>
+              <a:ext uri="{FF2B5EF4-FFF2-40B4-BE49-F238E27FC236}">
+                <a16:creationId xmlns:a16="http://schemas.microsoft.com/office/drawing/2014/main" id="{9FCCA6F6-E007-B94D-AD2B-902284B51E64}"/>
+              </a:ext>
+            </a:extLst>
+          </p:cNvPr>
+          <p:cNvSpPr/>
+          <p:nvPr/>
+        </p:nvSpPr>
+        <p:spPr>
+          <a:xfrm>
+            <a:off x="6936463" y="1762646"/>
+            <a:ext cx="322759" cy="311108"/>
+          </a:xfrm>
+          <a:prstGeom prst="rect">
+            <a:avLst/>
+          </a:prstGeom>
+          <a:solidFill>
+            <a:srgbClr val="00B0F0"/>
+          </a:solidFill>
+          <a:ln w="19050">
+            <a:solidFill>
+              <a:schemeClr val="tx1"/>
+            </a:solidFill>
+          </a:ln>
+        </p:spPr>
+        <p:style>
+          <a:lnRef idx="2">
+            <a:schemeClr val="accent1">
+              <a:shade val="50000"/>
+            </a:schemeClr>
+          </a:lnRef>
+          <a:fillRef idx="1">
+            <a:schemeClr val="accent1"/>
+          </a:fillRef>
+          <a:effectRef idx="0">
+            <a:schemeClr val="accent1"/>
+          </a:effectRef>
+          <a:fontRef idx="minor">
+            <a:schemeClr val="lt1"/>
+          </a:fontRef>
+        </p:style>
+        <p:txBody>
+          <a:bodyPr rtlCol="0" anchor="ctr"/>
+          <a:lstStyle/>
+          <a:p>
+            <a:pPr algn="ctr"/>
+            <a:r>
+              <a:rPr kumimoji="1" lang="en-US" altLang="zh-CN" dirty="0"/>
+              <a:t>3</a:t>
+            </a:r>
+            <a:endParaRPr kumimoji="1" lang="zh-SG" altLang="en-US" dirty="0"/>
+          </a:p>
+        </p:txBody>
+      </p:sp>
+      <p:sp>
+        <p:nvSpPr>
+          <p:cNvPr id="91" name="矩形 90">
+            <a:extLst>
+              <a:ext uri="{FF2B5EF4-FFF2-40B4-BE49-F238E27FC236}">
+                <a16:creationId xmlns:a16="http://schemas.microsoft.com/office/drawing/2014/main" id="{5918682F-C88A-C145-A6C4-0DC36B28EDBD}"/>
+              </a:ext>
+            </a:extLst>
+          </p:cNvPr>
+          <p:cNvSpPr/>
+          <p:nvPr/>
+        </p:nvSpPr>
+        <p:spPr>
+          <a:xfrm>
+            <a:off x="6936463" y="1462209"/>
+            <a:ext cx="322759" cy="311108"/>
+          </a:xfrm>
+          <a:prstGeom prst="rect">
+            <a:avLst/>
+          </a:prstGeom>
+          <a:solidFill>
+            <a:srgbClr val="00B0F0"/>
+          </a:solidFill>
+          <a:ln w="19050">
+            <a:solidFill>
+              <a:schemeClr val="tx1"/>
+            </a:solidFill>
+          </a:ln>
+        </p:spPr>
+        <p:style>
+          <a:lnRef idx="2">
+            <a:schemeClr val="accent1">
+              <a:shade val="50000"/>
+            </a:schemeClr>
+          </a:lnRef>
+          <a:fillRef idx="1">
+            <a:schemeClr val="accent1"/>
+          </a:fillRef>
+          <a:effectRef idx="0">
+            <a:schemeClr val="accent1"/>
+          </a:effectRef>
+          <a:fontRef idx="minor">
+            <a:schemeClr val="lt1"/>
+          </a:fontRef>
+        </p:style>
+        <p:txBody>
+          <a:bodyPr rtlCol="0" anchor="ctr"/>
+          <a:lstStyle/>
+          <a:p>
+            <a:pPr algn="ctr"/>
+            <a:r>
+              <a:rPr kumimoji="1" lang="en-US" altLang="zh-CN" dirty="0"/>
+              <a:t>2</a:t>
+            </a:r>
+            <a:endParaRPr kumimoji="1" lang="zh-SG" altLang="en-US" dirty="0"/>
+          </a:p>
+        </p:txBody>
+      </p:sp>
+      <p:sp>
+        <p:nvSpPr>
+          <p:cNvPr id="92" name="矩形 91">
+            <a:extLst>
+              <a:ext uri="{FF2B5EF4-FFF2-40B4-BE49-F238E27FC236}">
+                <a16:creationId xmlns:a16="http://schemas.microsoft.com/office/drawing/2014/main" id="{DB4F514B-43DC-154D-81AC-9415B658C67E}"/>
+              </a:ext>
+            </a:extLst>
+          </p:cNvPr>
+          <p:cNvSpPr/>
+          <p:nvPr/>
+        </p:nvSpPr>
+        <p:spPr>
+          <a:xfrm>
+            <a:off x="6936463" y="1137644"/>
+            <a:ext cx="322759" cy="311108"/>
+          </a:xfrm>
+          <a:prstGeom prst="rect">
+            <a:avLst/>
+          </a:prstGeom>
+          <a:solidFill>
+            <a:srgbClr val="00B0F0"/>
+          </a:solidFill>
+          <a:ln w="19050">
+            <a:solidFill>
+              <a:schemeClr val="tx1"/>
+            </a:solidFill>
+          </a:ln>
+        </p:spPr>
+        <p:style>
+          <a:lnRef idx="2">
+            <a:schemeClr val="accent1">
+              <a:shade val="50000"/>
+            </a:schemeClr>
+          </a:lnRef>
+          <a:fillRef idx="1">
+            <a:schemeClr val="accent1"/>
+          </a:fillRef>
+          <a:effectRef idx="0">
+            <a:schemeClr val="accent1"/>
+          </a:effectRef>
+          <a:fontRef idx="minor">
+            <a:schemeClr val="lt1"/>
+          </a:fontRef>
+        </p:style>
+        <p:txBody>
+          <a:bodyPr rtlCol="0" anchor="ctr"/>
+          <a:lstStyle/>
+          <a:p>
+            <a:pPr algn="ctr"/>
+            <a:r>
+              <a:rPr kumimoji="1" lang="en-US" altLang="zh-CN" dirty="0"/>
+              <a:t>1</a:t>
+            </a:r>
+            <a:endParaRPr kumimoji="1" lang="zh-SG" altLang="en-US" dirty="0"/>
+          </a:p>
+        </p:txBody>
+      </p:sp>
+      <p:sp>
+        <p:nvSpPr>
+          <p:cNvPr id="93" name="矩形 92">
+            <a:extLst>
+              <a:ext uri="{FF2B5EF4-FFF2-40B4-BE49-F238E27FC236}">
+                <a16:creationId xmlns:a16="http://schemas.microsoft.com/office/drawing/2014/main" id="{22DE205B-0915-6244-861D-C3CB8DF2405F}"/>
+              </a:ext>
+            </a:extLst>
+          </p:cNvPr>
+          <p:cNvSpPr/>
+          <p:nvPr/>
+        </p:nvSpPr>
+        <p:spPr>
+          <a:xfrm>
+            <a:off x="10055382" y="1710226"/>
+            <a:ext cx="322759" cy="311108"/>
+          </a:xfrm>
+          <a:prstGeom prst="rect">
+            <a:avLst/>
+          </a:prstGeom>
+          <a:solidFill>
+            <a:srgbClr val="00B0F0"/>
+          </a:solidFill>
+          <a:ln w="19050">
+            <a:solidFill>
+              <a:schemeClr val="tx1"/>
+            </a:solidFill>
+          </a:ln>
+        </p:spPr>
+        <p:style>
+          <a:lnRef idx="2">
+            <a:schemeClr val="accent1">
+              <a:shade val="50000"/>
+            </a:schemeClr>
+          </a:lnRef>
+          <a:fillRef idx="1">
+            <a:schemeClr val="accent1"/>
+          </a:fillRef>
+          <a:effectRef idx="0">
+            <a:schemeClr val="accent1"/>
+          </a:effectRef>
+          <a:fontRef idx="minor">
+            <a:schemeClr val="lt1"/>
+          </a:fontRef>
+        </p:style>
+        <p:txBody>
+          <a:bodyPr rtlCol="0" anchor="ctr"/>
+          <a:lstStyle/>
+          <a:p>
+            <a:pPr algn="ctr"/>
+            <a:r>
+              <a:rPr kumimoji="1" lang="en-US" altLang="zh-SG" dirty="0"/>
+              <a:t>1</a:t>
+            </a:r>
+            <a:endParaRPr kumimoji="1" lang="zh-SG" altLang="en-US" dirty="0"/>
+          </a:p>
+        </p:txBody>
+      </p:sp>
+      <p:sp>
+        <p:nvSpPr>
+          <p:cNvPr id="94" name="矩形 93">
+            <a:extLst>
+              <a:ext uri="{FF2B5EF4-FFF2-40B4-BE49-F238E27FC236}">
+                <a16:creationId xmlns:a16="http://schemas.microsoft.com/office/drawing/2014/main" id="{281C2EFE-C8C4-FD4B-AD71-1BAC907C50BA}"/>
+              </a:ext>
+            </a:extLst>
+          </p:cNvPr>
+          <p:cNvSpPr/>
+          <p:nvPr/>
+        </p:nvSpPr>
+        <p:spPr>
+          <a:xfrm>
+            <a:off x="10378141" y="1710226"/>
+            <a:ext cx="322759" cy="311108"/>
+          </a:xfrm>
+          <a:prstGeom prst="rect">
+            <a:avLst/>
+          </a:prstGeom>
+          <a:solidFill>
+            <a:srgbClr val="00B0F0"/>
+          </a:solidFill>
+          <a:ln w="19050">
+            <a:solidFill>
+              <a:schemeClr val="tx1"/>
+            </a:solidFill>
+          </a:ln>
+        </p:spPr>
+        <p:style>
+          <a:lnRef idx="2">
+            <a:schemeClr val="accent1">
+              <a:shade val="50000"/>
+            </a:schemeClr>
+          </a:lnRef>
+          <a:fillRef idx="1">
+            <a:schemeClr val="accent1"/>
+          </a:fillRef>
+          <a:effectRef idx="0">
+            <a:schemeClr val="accent1"/>
+          </a:effectRef>
+          <a:fontRef idx="minor">
+            <a:schemeClr val="lt1"/>
+          </a:fontRef>
+        </p:style>
+        <p:txBody>
+          <a:bodyPr rtlCol="0" anchor="ctr"/>
+          <a:lstStyle/>
+          <a:p>
+            <a:pPr algn="ctr"/>
+            <a:r>
+              <a:rPr kumimoji="1" lang="en-US" altLang="zh-SG" dirty="0"/>
+              <a:t>2</a:t>
+            </a:r>
+            <a:endParaRPr kumimoji="1" lang="zh-SG" altLang="en-US" dirty="0"/>
+          </a:p>
+        </p:txBody>
+      </p:sp>
+      <p:sp>
+        <p:nvSpPr>
+          <p:cNvPr id="95" name="矩形 94">
+            <a:extLst>
+              <a:ext uri="{FF2B5EF4-FFF2-40B4-BE49-F238E27FC236}">
+                <a16:creationId xmlns:a16="http://schemas.microsoft.com/office/drawing/2014/main" id="{E258A2B6-EC2D-1647-B9E7-010084930C94}"/>
+              </a:ext>
+            </a:extLst>
+          </p:cNvPr>
+          <p:cNvSpPr/>
+          <p:nvPr/>
+        </p:nvSpPr>
+        <p:spPr>
+          <a:xfrm>
+            <a:off x="10700900" y="1710226"/>
+            <a:ext cx="322759" cy="311108"/>
+          </a:xfrm>
+          <a:prstGeom prst="rect">
+            <a:avLst/>
+          </a:prstGeom>
+          <a:solidFill>
+            <a:srgbClr val="00B0F0"/>
+          </a:solidFill>
+          <a:ln w="19050">
+            <a:solidFill>
+              <a:schemeClr val="tx1"/>
+            </a:solidFill>
+          </a:ln>
+        </p:spPr>
+        <p:style>
+          <a:lnRef idx="2">
+            <a:schemeClr val="accent1">
+              <a:shade val="50000"/>
+            </a:schemeClr>
+          </a:lnRef>
+          <a:fillRef idx="1">
+            <a:schemeClr val="accent1"/>
+          </a:fillRef>
+          <a:effectRef idx="0">
+            <a:schemeClr val="accent1"/>
+          </a:effectRef>
+          <a:fontRef idx="minor">
+            <a:schemeClr val="lt1"/>
+          </a:fontRef>
+        </p:style>
+        <p:txBody>
+          <a:bodyPr rtlCol="0" anchor="ctr"/>
+          <a:lstStyle/>
+          <a:p>
+            <a:pPr algn="ctr"/>
+            <a:r>
+              <a:rPr kumimoji="1" lang="en-US" altLang="zh-SG" dirty="0"/>
+              <a:t>3</a:t>
+            </a:r>
+            <a:endParaRPr kumimoji="1" lang="zh-SG" altLang="en-US" dirty="0"/>
+          </a:p>
+        </p:txBody>
+      </p:sp>
+      <p:cxnSp>
+        <p:nvCxnSpPr>
+          <p:cNvPr id="97" name="直线箭头连接符 96">
+            <a:extLst>
+              <a:ext uri="{FF2B5EF4-FFF2-40B4-BE49-F238E27FC236}">
+                <a16:creationId xmlns:a16="http://schemas.microsoft.com/office/drawing/2014/main" id="{214E5680-6024-DC4B-9C72-BB3A75ED35D5}"/>
+              </a:ext>
+            </a:extLst>
+          </p:cNvPr>
+          <p:cNvCxnSpPr>
+            <a:cxnSpLocks/>
+          </p:cNvCxnSpPr>
+          <p:nvPr/>
+        </p:nvCxnSpPr>
+        <p:spPr>
+          <a:xfrm>
+            <a:off x="7355860" y="1648544"/>
+            <a:ext cx="2435642" cy="200775"/>
+          </a:xfrm>
+          <a:prstGeom prst="straightConnector1">
+            <a:avLst/>
+          </a:prstGeom>
+          <a:ln w="28575">
+            <a:solidFill>
+              <a:schemeClr val="tx1"/>
+            </a:solidFill>
+            <a:tailEnd type="triangle"/>
+          </a:ln>
+        </p:spPr>
+        <p:style>
+          <a:lnRef idx="1">
+            <a:schemeClr val="accent1"/>
+          </a:lnRef>
+          <a:fillRef idx="0">
+            <a:schemeClr val="accent1"/>
+          </a:fillRef>
+          <a:effectRef idx="0">
+            <a:schemeClr val="accent1"/>
+          </a:effectRef>
+          <a:fontRef idx="minor">
+            <a:schemeClr val="tx1"/>
+          </a:fontRef>
+        </p:style>
+      </p:cxnSp>
+      <p:cxnSp>
+        <p:nvCxnSpPr>
+          <p:cNvPr id="98" name="直线箭头连接符 97">
+            <a:extLst>
+              <a:ext uri="{FF2B5EF4-FFF2-40B4-BE49-F238E27FC236}">
+                <a16:creationId xmlns:a16="http://schemas.microsoft.com/office/drawing/2014/main" id="{5D05D16E-6581-AF42-8A2D-7B060DE5B4F9}"/>
+              </a:ext>
+            </a:extLst>
+          </p:cNvPr>
+          <p:cNvCxnSpPr>
+            <a:cxnSpLocks/>
+          </p:cNvCxnSpPr>
+          <p:nvPr/>
+        </p:nvCxnSpPr>
+        <p:spPr>
+          <a:xfrm>
+            <a:off x="7348598" y="1337346"/>
+            <a:ext cx="2435642" cy="200775"/>
+          </a:xfrm>
+          <a:prstGeom prst="straightConnector1">
+            <a:avLst/>
+          </a:prstGeom>
+          <a:ln w="28575">
+            <a:solidFill>
+              <a:schemeClr val="tx1"/>
+            </a:solidFill>
+            <a:tailEnd type="triangle"/>
+          </a:ln>
+        </p:spPr>
+        <p:style>
+          <a:lnRef idx="1">
+            <a:schemeClr val="accent1"/>
+          </a:lnRef>
+          <a:fillRef idx="0">
+            <a:schemeClr val="accent1"/>
+          </a:fillRef>
+          <a:effectRef idx="0">
+            <a:schemeClr val="accent1"/>
+          </a:effectRef>
+          <a:fontRef idx="minor">
+            <a:schemeClr val="tx1"/>
+          </a:fontRef>
+        </p:style>
+      </p:cxnSp>
+      <p:cxnSp>
+        <p:nvCxnSpPr>
+          <p:cNvPr id="99" name="直线箭头连接符 98">
+            <a:extLst>
+              <a:ext uri="{FF2B5EF4-FFF2-40B4-BE49-F238E27FC236}">
+                <a16:creationId xmlns:a16="http://schemas.microsoft.com/office/drawing/2014/main" id="{730B0705-8281-E04B-B35A-5DFFB8DBEBC3}"/>
+              </a:ext>
+            </a:extLst>
+          </p:cNvPr>
+          <p:cNvCxnSpPr>
+            <a:cxnSpLocks/>
+          </p:cNvCxnSpPr>
+          <p:nvPr/>
+        </p:nvCxnSpPr>
+        <p:spPr>
+          <a:xfrm>
+            <a:off x="7371587" y="2310264"/>
+            <a:ext cx="2435642" cy="200775"/>
+          </a:xfrm>
+          <a:prstGeom prst="straightConnector1">
+            <a:avLst/>
+          </a:prstGeom>
+          <a:ln w="28575">
+            <a:solidFill>
+              <a:schemeClr val="tx1"/>
+            </a:solidFill>
+            <a:tailEnd type="triangle"/>
+          </a:ln>
+        </p:spPr>
+        <p:style>
+          <a:lnRef idx="1">
+            <a:schemeClr val="accent1"/>
+          </a:lnRef>
+          <a:fillRef idx="0">
+            <a:schemeClr val="accent1"/>
+          </a:fillRef>
+          <a:effectRef idx="0">
+            <a:schemeClr val="accent1"/>
+          </a:effectRef>
+          <a:fontRef idx="minor">
+            <a:schemeClr val="tx1"/>
+          </a:fontRef>
+        </p:style>
+      </p:cxnSp>
+      <p:cxnSp>
+        <p:nvCxnSpPr>
+          <p:cNvPr id="100" name="直线箭头连接符 99">
+            <a:extLst>
+              <a:ext uri="{FF2B5EF4-FFF2-40B4-BE49-F238E27FC236}">
+                <a16:creationId xmlns:a16="http://schemas.microsoft.com/office/drawing/2014/main" id="{6C993433-A37D-9044-B37C-28A5B16E9DAF}"/>
+              </a:ext>
+            </a:extLst>
+          </p:cNvPr>
+          <p:cNvCxnSpPr>
+            <a:cxnSpLocks/>
+          </p:cNvCxnSpPr>
+          <p:nvPr/>
+        </p:nvCxnSpPr>
+        <p:spPr>
+          <a:xfrm>
+            <a:off x="7355860" y="1987459"/>
+            <a:ext cx="2435642" cy="200775"/>
+          </a:xfrm>
+          <a:prstGeom prst="straightConnector1">
+            <a:avLst/>
+          </a:prstGeom>
+          <a:ln w="28575">
+            <a:solidFill>
+              <a:schemeClr val="tx1"/>
+            </a:solidFill>
+            <a:tailEnd type="triangle"/>
+          </a:ln>
+        </p:spPr>
+        <p:style>
+          <a:lnRef idx="1">
+            <a:schemeClr val="accent1"/>
+          </a:lnRef>
+          <a:fillRef idx="0">
+            <a:schemeClr val="accent1"/>
+          </a:fillRef>
+          <a:effectRef idx="0">
+            <a:schemeClr val="accent1"/>
+          </a:effectRef>
+          <a:fontRef idx="minor">
+            <a:schemeClr val="tx1"/>
+          </a:fontRef>
+        </p:style>
+      </p:cxnSp>
+      <p:cxnSp>
+        <p:nvCxnSpPr>
+          <p:cNvPr id="101" name="直线箭头连接符 100">
+            <a:extLst>
+              <a:ext uri="{FF2B5EF4-FFF2-40B4-BE49-F238E27FC236}">
+                <a16:creationId xmlns:a16="http://schemas.microsoft.com/office/drawing/2014/main" id="{99DA186B-133E-CC46-A73E-56A731889681}"/>
+              </a:ext>
+            </a:extLst>
+          </p:cNvPr>
+          <p:cNvCxnSpPr>
+            <a:cxnSpLocks/>
+          </p:cNvCxnSpPr>
+          <p:nvPr/>
+        </p:nvCxnSpPr>
+        <p:spPr>
+          <a:xfrm>
+            <a:off x="7378180" y="2891182"/>
+            <a:ext cx="1315826" cy="113456"/>
+          </a:xfrm>
+          <a:prstGeom prst="straightConnector1">
+            <a:avLst/>
+          </a:prstGeom>
+          <a:ln w="28575">
+            <a:solidFill>
+              <a:schemeClr val="tx1"/>
+            </a:solidFill>
+            <a:tailEnd type="triangle"/>
+          </a:ln>
+        </p:spPr>
+        <p:style>
+          <a:lnRef idx="1">
+            <a:schemeClr val="accent1"/>
+          </a:lnRef>
+          <a:fillRef idx="0">
+            <a:schemeClr val="accent1"/>
+          </a:fillRef>
+          <a:effectRef idx="0">
+            <a:schemeClr val="accent1"/>
+          </a:effectRef>
+          <a:fontRef idx="minor">
+            <a:schemeClr val="tx1"/>
+          </a:fontRef>
+        </p:style>
+      </p:cxnSp>
+      <p:cxnSp>
+        <p:nvCxnSpPr>
+          <p:cNvPr id="102" name="直线箭头连接符 101">
+            <a:extLst>
+              <a:ext uri="{FF2B5EF4-FFF2-40B4-BE49-F238E27FC236}">
+                <a16:creationId xmlns:a16="http://schemas.microsoft.com/office/drawing/2014/main" id="{CAC16523-644E-144D-BAC7-2BC32B02520B}"/>
+              </a:ext>
+            </a:extLst>
+          </p:cNvPr>
+          <p:cNvCxnSpPr>
+            <a:cxnSpLocks/>
+          </p:cNvCxnSpPr>
+          <p:nvPr/>
+        </p:nvCxnSpPr>
+        <p:spPr>
+          <a:xfrm>
+            <a:off x="7363123" y="2564735"/>
+            <a:ext cx="1330883" cy="93052"/>
+          </a:xfrm>
+          <a:prstGeom prst="straightConnector1">
+            <a:avLst/>
+          </a:prstGeom>
+          <a:ln w="28575">
+            <a:solidFill>
+              <a:schemeClr val="tx1"/>
+            </a:solidFill>
+            <a:tailEnd type="triangle"/>
+          </a:ln>
+        </p:spPr>
+        <p:style>
+          <a:lnRef idx="1">
+            <a:schemeClr val="accent1"/>
+          </a:lnRef>
+          <a:fillRef idx="0">
+            <a:schemeClr val="accent1"/>
+          </a:fillRef>
+          <a:effectRef idx="0">
+            <a:schemeClr val="accent1"/>
+          </a:effectRef>
+          <a:fontRef idx="minor">
+            <a:schemeClr val="tx1"/>
+          </a:fontRef>
+        </p:style>
+      </p:cxnSp>
+      <p:cxnSp>
+        <p:nvCxnSpPr>
+          <p:cNvPr id="103" name="直线箭头连接符 102">
+            <a:extLst>
+              <a:ext uri="{FF2B5EF4-FFF2-40B4-BE49-F238E27FC236}">
+                <a16:creationId xmlns:a16="http://schemas.microsoft.com/office/drawing/2014/main" id="{BDE5C360-86C7-AE41-9AFF-8E3B3D2FDBFC}"/>
+              </a:ext>
+            </a:extLst>
+          </p:cNvPr>
+          <p:cNvCxnSpPr>
+            <a:cxnSpLocks/>
+          </p:cNvCxnSpPr>
+          <p:nvPr/>
+        </p:nvCxnSpPr>
+        <p:spPr>
+          <a:xfrm>
+            <a:off x="7348598" y="3298695"/>
+            <a:ext cx="2435642" cy="200775"/>
+          </a:xfrm>
+          <a:prstGeom prst="straightConnector1">
+            <a:avLst/>
+          </a:prstGeom>
+          <a:ln w="28575">
+            <a:solidFill>
+              <a:schemeClr val="tx1"/>
+            </a:solidFill>
+            <a:tailEnd type="triangle"/>
+          </a:ln>
+        </p:spPr>
+        <p:style>
+          <a:lnRef idx="1">
+            <a:schemeClr val="accent1"/>
+          </a:lnRef>
+          <a:fillRef idx="0">
+            <a:schemeClr val="accent1"/>
+          </a:fillRef>
+          <a:effectRef idx="0">
+            <a:schemeClr val="accent1"/>
+          </a:effectRef>
+          <a:fontRef idx="minor">
+            <a:schemeClr val="tx1"/>
+          </a:fontRef>
+        </p:style>
+      </p:cxnSp>
+      <p:cxnSp>
+        <p:nvCxnSpPr>
+          <p:cNvPr id="104" name="直线连接符 103">
+            <a:extLst>
+              <a:ext uri="{FF2B5EF4-FFF2-40B4-BE49-F238E27FC236}">
+                <a16:creationId xmlns:a16="http://schemas.microsoft.com/office/drawing/2014/main" id="{0A185990-6CB3-C14A-9858-F522637534D3}"/>
+              </a:ext>
+            </a:extLst>
+          </p:cNvPr>
+          <p:cNvCxnSpPr>
+            <a:cxnSpLocks/>
+          </p:cNvCxnSpPr>
+          <p:nvPr/>
+        </p:nvCxnSpPr>
+        <p:spPr>
+          <a:xfrm>
+            <a:off x="9989567" y="1666052"/>
+            <a:ext cx="1647407" cy="0"/>
+          </a:xfrm>
+          <a:prstGeom prst="line">
+            <a:avLst/>
+          </a:prstGeom>
+          <a:ln w="28575">
+            <a:solidFill>
+              <a:schemeClr val="tx1"/>
+            </a:solidFill>
+          </a:ln>
+        </p:spPr>
+        <p:style>
+          <a:lnRef idx="1">
+            <a:schemeClr val="accent1"/>
+          </a:lnRef>
+          <a:fillRef idx="0">
+            <a:schemeClr val="accent1"/>
+          </a:fillRef>
+          <a:effectRef idx="0">
+            <a:schemeClr val="accent1"/>
+          </a:effectRef>
+          <a:fontRef idx="minor">
+            <a:schemeClr val="tx1"/>
+          </a:fontRef>
+        </p:style>
+      </p:cxnSp>
+      <p:cxnSp>
+        <p:nvCxnSpPr>
+          <p:cNvPr id="105" name="直线连接符 104">
+            <a:extLst>
+              <a:ext uri="{FF2B5EF4-FFF2-40B4-BE49-F238E27FC236}">
+                <a16:creationId xmlns:a16="http://schemas.microsoft.com/office/drawing/2014/main" id="{DBF96273-7982-4A49-8695-3CCCB9868EBC}"/>
+              </a:ext>
+            </a:extLst>
+          </p:cNvPr>
+          <p:cNvCxnSpPr>
+            <a:cxnSpLocks/>
+          </p:cNvCxnSpPr>
+          <p:nvPr/>
+        </p:nvCxnSpPr>
+        <p:spPr>
+          <a:xfrm>
+            <a:off x="9989568" y="2099021"/>
+            <a:ext cx="1647407" cy="0"/>
+          </a:xfrm>
+          <a:prstGeom prst="line">
+            <a:avLst/>
+          </a:prstGeom>
+          <a:ln w="28575">
+            <a:solidFill>
+              <a:schemeClr val="tx1"/>
+            </a:solidFill>
+          </a:ln>
+        </p:spPr>
+        <p:style>
+          <a:lnRef idx="1">
+            <a:schemeClr val="accent1"/>
+          </a:lnRef>
+          <a:fillRef idx="0">
+            <a:schemeClr val="accent1"/>
+          </a:fillRef>
+          <a:effectRef idx="0">
+            <a:schemeClr val="accent1"/>
+          </a:effectRef>
+          <a:fontRef idx="minor">
+            <a:schemeClr val="tx1"/>
+          </a:fontRef>
+        </p:style>
+      </p:cxnSp>
+      <p:cxnSp>
+        <p:nvCxnSpPr>
+          <p:cNvPr id="106" name="直线连接符 105">
+            <a:extLst>
+              <a:ext uri="{FF2B5EF4-FFF2-40B4-BE49-F238E27FC236}">
+                <a16:creationId xmlns:a16="http://schemas.microsoft.com/office/drawing/2014/main" id="{DD5DCB15-2C29-E74B-BDC5-F6CFA35B9E08}"/>
+              </a:ext>
+            </a:extLst>
+          </p:cNvPr>
+          <p:cNvCxnSpPr>
+            <a:cxnSpLocks/>
+          </p:cNvCxnSpPr>
+          <p:nvPr/>
+        </p:nvCxnSpPr>
+        <p:spPr>
+          <a:xfrm>
+            <a:off x="9984719" y="1666052"/>
+            <a:ext cx="8049" cy="447784"/>
+          </a:xfrm>
+          <a:prstGeom prst="line">
+            <a:avLst/>
+          </a:prstGeom>
+          <a:ln w="28575">
+            <a:solidFill>
+              <a:schemeClr val="tx1"/>
+            </a:solidFill>
+          </a:ln>
+        </p:spPr>
+        <p:style>
+          <a:lnRef idx="1">
+            <a:schemeClr val="accent1"/>
+          </a:lnRef>
+          <a:fillRef idx="0">
+            <a:schemeClr val="accent1"/>
+          </a:fillRef>
+          <a:effectRef idx="0">
+            <a:schemeClr val="accent1"/>
+          </a:effectRef>
+          <a:fontRef idx="minor">
+            <a:schemeClr val="tx1"/>
+          </a:fontRef>
+        </p:style>
+      </p:cxnSp>
+      <p:sp>
+        <p:nvSpPr>
+          <p:cNvPr id="114" name="矩形 113">
+            <a:extLst>
+              <a:ext uri="{FF2B5EF4-FFF2-40B4-BE49-F238E27FC236}">
+                <a16:creationId xmlns:a16="http://schemas.microsoft.com/office/drawing/2014/main" id="{B3BBA581-DE78-4F44-9BBC-893217B1E499}"/>
+              </a:ext>
+            </a:extLst>
+          </p:cNvPr>
+          <p:cNvSpPr/>
+          <p:nvPr/>
+        </p:nvSpPr>
+        <p:spPr>
+          <a:xfrm>
+            <a:off x="10073083" y="2535023"/>
+            <a:ext cx="322759" cy="311108"/>
+          </a:xfrm>
+          <a:prstGeom prst="rect">
+            <a:avLst/>
+          </a:prstGeom>
+          <a:solidFill>
+            <a:srgbClr val="00B0F0"/>
+          </a:solidFill>
+          <a:ln w="19050">
+            <a:solidFill>
+              <a:schemeClr val="tx1"/>
+            </a:solidFill>
+          </a:ln>
+        </p:spPr>
+        <p:style>
+          <a:lnRef idx="2">
+            <a:schemeClr val="accent1">
+              <a:shade val="50000"/>
+            </a:schemeClr>
+          </a:lnRef>
+          <a:fillRef idx="1">
+            <a:schemeClr val="accent1"/>
+          </a:fillRef>
+          <a:effectRef idx="0">
+            <a:schemeClr val="accent1"/>
+          </a:effectRef>
+          <a:fontRef idx="minor">
+            <a:schemeClr val="lt1"/>
+          </a:fontRef>
+        </p:style>
+        <p:txBody>
+          <a:bodyPr rtlCol="0" anchor="ctr"/>
+          <a:lstStyle/>
+          <a:p>
+            <a:pPr algn="ctr"/>
+            <a:r>
+              <a:rPr kumimoji="1" lang="en-US" altLang="zh-CN" dirty="0"/>
+              <a:t>4</a:t>
+            </a:r>
+            <a:endParaRPr kumimoji="1" lang="zh-SG" altLang="en-US" dirty="0"/>
+          </a:p>
+        </p:txBody>
+      </p:sp>
+      <p:cxnSp>
+        <p:nvCxnSpPr>
+          <p:cNvPr id="118" name="直线连接符 117">
+            <a:extLst>
+              <a:ext uri="{FF2B5EF4-FFF2-40B4-BE49-F238E27FC236}">
+                <a16:creationId xmlns:a16="http://schemas.microsoft.com/office/drawing/2014/main" id="{5A07EB76-37C4-CD4C-9A0A-F4C356051928}"/>
+              </a:ext>
+            </a:extLst>
+          </p:cNvPr>
+          <p:cNvCxnSpPr>
+            <a:cxnSpLocks/>
+          </p:cNvCxnSpPr>
+          <p:nvPr/>
+        </p:nvCxnSpPr>
+        <p:spPr>
+          <a:xfrm>
+            <a:off x="10007268" y="2490849"/>
+            <a:ext cx="1647407" cy="0"/>
+          </a:xfrm>
+          <a:prstGeom prst="line">
+            <a:avLst/>
+          </a:prstGeom>
+          <a:ln w="28575">
+            <a:solidFill>
+              <a:schemeClr val="tx1"/>
+            </a:solidFill>
+          </a:ln>
+        </p:spPr>
+        <p:style>
+          <a:lnRef idx="1">
+            <a:schemeClr val="accent1"/>
+          </a:lnRef>
+          <a:fillRef idx="0">
+            <a:schemeClr val="accent1"/>
+          </a:fillRef>
+          <a:effectRef idx="0">
+            <a:schemeClr val="accent1"/>
+          </a:effectRef>
+          <a:fontRef idx="minor">
+            <a:schemeClr val="tx1"/>
+          </a:fontRef>
+        </p:style>
+      </p:cxnSp>
+      <p:cxnSp>
+        <p:nvCxnSpPr>
+          <p:cNvPr id="119" name="直线连接符 118">
+            <a:extLst>
+              <a:ext uri="{FF2B5EF4-FFF2-40B4-BE49-F238E27FC236}">
+                <a16:creationId xmlns:a16="http://schemas.microsoft.com/office/drawing/2014/main" id="{2C960CD1-AE84-FE4A-8FCA-051CC36B0654}"/>
+              </a:ext>
+            </a:extLst>
+          </p:cNvPr>
+          <p:cNvCxnSpPr>
+            <a:cxnSpLocks/>
+          </p:cNvCxnSpPr>
+          <p:nvPr/>
+        </p:nvCxnSpPr>
+        <p:spPr>
+          <a:xfrm>
+            <a:off x="10007269" y="2923818"/>
+            <a:ext cx="1647407" cy="0"/>
+          </a:xfrm>
+          <a:prstGeom prst="line">
+            <a:avLst/>
+          </a:prstGeom>
+          <a:ln w="28575">
+            <a:solidFill>
+              <a:schemeClr val="tx1"/>
+            </a:solidFill>
+          </a:ln>
+        </p:spPr>
+        <p:style>
+          <a:lnRef idx="1">
+            <a:schemeClr val="accent1"/>
+          </a:lnRef>
+          <a:fillRef idx="0">
+            <a:schemeClr val="accent1"/>
+          </a:fillRef>
+          <a:effectRef idx="0">
+            <a:schemeClr val="accent1"/>
+          </a:effectRef>
+          <a:fontRef idx="minor">
+            <a:schemeClr val="tx1"/>
+          </a:fontRef>
+        </p:style>
+      </p:cxnSp>
+      <p:cxnSp>
+        <p:nvCxnSpPr>
+          <p:cNvPr id="120" name="直线连接符 119">
+            <a:extLst>
+              <a:ext uri="{FF2B5EF4-FFF2-40B4-BE49-F238E27FC236}">
+                <a16:creationId xmlns:a16="http://schemas.microsoft.com/office/drawing/2014/main" id="{6B08246D-6B58-4842-B600-02C6F21B4EAA}"/>
+              </a:ext>
+            </a:extLst>
+          </p:cNvPr>
+          <p:cNvCxnSpPr>
+            <a:cxnSpLocks/>
+          </p:cNvCxnSpPr>
+          <p:nvPr/>
+        </p:nvCxnSpPr>
+        <p:spPr>
+          <a:xfrm>
+            <a:off x="10002420" y="2490849"/>
+            <a:ext cx="8049" cy="447784"/>
+          </a:xfrm>
+          <a:prstGeom prst="line">
+            <a:avLst/>
+          </a:prstGeom>
+          <a:ln w="28575">
+            <a:solidFill>
+              <a:schemeClr val="tx1"/>
+            </a:solidFill>
+          </a:ln>
+        </p:spPr>
+        <p:style>
+          <a:lnRef idx="1">
+            <a:schemeClr val="accent1"/>
+          </a:lnRef>
+          <a:fillRef idx="0">
+            <a:schemeClr val="accent1"/>
+          </a:fillRef>
+          <a:effectRef idx="0">
+            <a:schemeClr val="accent1"/>
+          </a:effectRef>
+          <a:fontRef idx="minor">
+            <a:schemeClr val="tx1"/>
+          </a:fontRef>
+        </p:style>
+      </p:cxnSp>
+      <p:sp>
+        <p:nvSpPr>
+          <p:cNvPr id="122" name="矩形 121">
+            <a:extLst>
+              <a:ext uri="{FF2B5EF4-FFF2-40B4-BE49-F238E27FC236}">
+                <a16:creationId xmlns:a16="http://schemas.microsoft.com/office/drawing/2014/main" id="{01FE7B20-610E-EB48-A44A-0D031D368A02}"/>
+              </a:ext>
+            </a:extLst>
+          </p:cNvPr>
+          <p:cNvSpPr/>
+          <p:nvPr/>
+        </p:nvSpPr>
+        <p:spPr>
+          <a:xfrm>
+            <a:off x="10073083" y="3555938"/>
+            <a:ext cx="322759" cy="311108"/>
+          </a:xfrm>
+          <a:prstGeom prst="rect">
+            <a:avLst/>
+          </a:prstGeom>
+          <a:solidFill>
+            <a:srgbClr val="00B0F0"/>
+          </a:solidFill>
+          <a:ln w="19050">
+            <a:solidFill>
+              <a:schemeClr val="tx1"/>
+            </a:solidFill>
+          </a:ln>
+        </p:spPr>
+        <p:style>
+          <a:lnRef idx="2">
+            <a:schemeClr val="accent1">
+              <a:shade val="50000"/>
+            </a:schemeClr>
+          </a:lnRef>
+          <a:fillRef idx="1">
+            <a:schemeClr val="accent1"/>
+          </a:fillRef>
+          <a:effectRef idx="0">
+            <a:schemeClr val="accent1"/>
+          </a:effectRef>
+          <a:fontRef idx="minor">
+            <a:schemeClr val="lt1"/>
+          </a:fontRef>
+        </p:style>
+        <p:txBody>
+          <a:bodyPr rtlCol="0" anchor="ctr"/>
+          <a:lstStyle/>
+          <a:p>
+            <a:pPr algn="ctr"/>
+            <a:r>
+              <a:rPr kumimoji="1" lang="en-US" altLang="zh-CN" dirty="0"/>
+              <a:t>7</a:t>
+            </a:r>
+            <a:endParaRPr kumimoji="1" lang="zh-SG" altLang="en-US" dirty="0"/>
+          </a:p>
+        </p:txBody>
+      </p:sp>
+      <p:sp>
+        <p:nvSpPr>
+          <p:cNvPr id="123" name="矩形 122">
+            <a:extLst>
+              <a:ext uri="{FF2B5EF4-FFF2-40B4-BE49-F238E27FC236}">
+                <a16:creationId xmlns:a16="http://schemas.microsoft.com/office/drawing/2014/main" id="{0A3924C4-5D3D-8841-A687-E9F293511D33}"/>
+              </a:ext>
+            </a:extLst>
+          </p:cNvPr>
+          <p:cNvSpPr/>
+          <p:nvPr/>
+        </p:nvSpPr>
+        <p:spPr>
+          <a:xfrm>
+            <a:off x="10395842" y="3555938"/>
+            <a:ext cx="322759" cy="311108"/>
+          </a:xfrm>
+          <a:prstGeom prst="rect">
+            <a:avLst/>
+          </a:prstGeom>
+          <a:solidFill>
+            <a:srgbClr val="00B0F0"/>
+          </a:solidFill>
+          <a:ln w="19050">
+            <a:solidFill>
+              <a:schemeClr val="tx1"/>
+            </a:solidFill>
+          </a:ln>
+        </p:spPr>
+        <p:style>
+          <a:lnRef idx="2">
+            <a:schemeClr val="accent1">
+              <a:shade val="50000"/>
+            </a:schemeClr>
+          </a:lnRef>
+          <a:fillRef idx="1">
+            <a:schemeClr val="accent1"/>
+          </a:fillRef>
+          <a:effectRef idx="0">
+            <a:schemeClr val="accent1"/>
+          </a:effectRef>
+          <a:fontRef idx="minor">
+            <a:schemeClr val="lt1"/>
+          </a:fontRef>
+        </p:style>
+        <p:txBody>
+          <a:bodyPr rtlCol="0" anchor="ctr"/>
+          <a:lstStyle/>
+          <a:p>
+            <a:pPr algn="ctr"/>
+            <a:r>
+              <a:rPr kumimoji="1" lang="en-US" altLang="zh-CN" dirty="0"/>
+              <a:t>8</a:t>
+            </a:r>
+            <a:endParaRPr kumimoji="1" lang="zh-SG" altLang="en-US" dirty="0"/>
+          </a:p>
+        </p:txBody>
+      </p:sp>
+      <p:sp>
+        <p:nvSpPr>
+          <p:cNvPr id="124" name="矩形 123">
+            <a:extLst>
+              <a:ext uri="{FF2B5EF4-FFF2-40B4-BE49-F238E27FC236}">
+                <a16:creationId xmlns:a16="http://schemas.microsoft.com/office/drawing/2014/main" id="{4E6BB5BF-ED6A-EE47-A87C-A7305A729674}"/>
+              </a:ext>
+            </a:extLst>
+          </p:cNvPr>
+          <p:cNvSpPr/>
+          <p:nvPr/>
+        </p:nvSpPr>
+        <p:spPr>
+          <a:xfrm>
+            <a:off x="10718601" y="3555938"/>
+            <a:ext cx="322759" cy="311108"/>
+          </a:xfrm>
+          <a:prstGeom prst="rect">
+            <a:avLst/>
+          </a:prstGeom>
+          <a:solidFill>
+            <a:srgbClr val="00B0F0"/>
+          </a:solidFill>
+          <a:ln w="19050">
+            <a:solidFill>
+              <a:schemeClr val="tx1"/>
+            </a:solidFill>
+          </a:ln>
+        </p:spPr>
+        <p:style>
+          <a:lnRef idx="2">
+            <a:schemeClr val="accent1">
+              <a:shade val="50000"/>
+            </a:schemeClr>
+          </a:lnRef>
+          <a:fillRef idx="1">
+            <a:schemeClr val="accent1"/>
+          </a:fillRef>
+          <a:effectRef idx="0">
+            <a:schemeClr val="accent1"/>
+          </a:effectRef>
+          <a:fontRef idx="minor">
+            <a:schemeClr val="lt1"/>
+          </a:fontRef>
+        </p:style>
+        <p:txBody>
+          <a:bodyPr rtlCol="0" anchor="ctr"/>
+          <a:lstStyle/>
+          <a:p>
+            <a:pPr algn="ctr"/>
+            <a:r>
+              <a:rPr kumimoji="1" lang="en-US" altLang="zh-CN" dirty="0"/>
+              <a:t>9</a:t>
+            </a:r>
+            <a:endParaRPr kumimoji="1" lang="zh-SG" altLang="en-US" dirty="0"/>
+          </a:p>
+        </p:txBody>
+      </p:sp>
+      <p:cxnSp>
+        <p:nvCxnSpPr>
+          <p:cNvPr id="126" name="直线连接符 125">
+            <a:extLst>
+              <a:ext uri="{FF2B5EF4-FFF2-40B4-BE49-F238E27FC236}">
+                <a16:creationId xmlns:a16="http://schemas.microsoft.com/office/drawing/2014/main" id="{1DE27300-942F-654B-BB4C-EED27F50BA85}"/>
+              </a:ext>
+            </a:extLst>
+          </p:cNvPr>
+          <p:cNvCxnSpPr>
+            <a:cxnSpLocks/>
+          </p:cNvCxnSpPr>
+          <p:nvPr/>
+        </p:nvCxnSpPr>
+        <p:spPr>
+          <a:xfrm>
+            <a:off x="10007268" y="3511764"/>
+            <a:ext cx="1647407" cy="0"/>
+          </a:xfrm>
+          <a:prstGeom prst="line">
+            <a:avLst/>
+          </a:prstGeom>
+          <a:ln w="28575">
+            <a:solidFill>
+              <a:schemeClr val="tx1"/>
+            </a:solidFill>
+          </a:ln>
+        </p:spPr>
+        <p:style>
+          <a:lnRef idx="1">
+            <a:schemeClr val="accent1"/>
+          </a:lnRef>
+          <a:fillRef idx="0">
+            <a:schemeClr val="accent1"/>
+          </a:fillRef>
+          <a:effectRef idx="0">
+            <a:schemeClr val="accent1"/>
+          </a:effectRef>
+          <a:fontRef idx="minor">
+            <a:schemeClr val="tx1"/>
+          </a:fontRef>
+        </p:style>
+      </p:cxnSp>
+      <p:cxnSp>
+        <p:nvCxnSpPr>
+          <p:cNvPr id="127" name="直线连接符 126">
+            <a:extLst>
+              <a:ext uri="{FF2B5EF4-FFF2-40B4-BE49-F238E27FC236}">
+                <a16:creationId xmlns:a16="http://schemas.microsoft.com/office/drawing/2014/main" id="{9C69CBE4-D613-CF4A-88B0-5DE01598B379}"/>
+              </a:ext>
+            </a:extLst>
+          </p:cNvPr>
+          <p:cNvCxnSpPr>
+            <a:cxnSpLocks/>
+          </p:cNvCxnSpPr>
+          <p:nvPr/>
+        </p:nvCxnSpPr>
+        <p:spPr>
+          <a:xfrm>
+            <a:off x="10007269" y="3944733"/>
+            <a:ext cx="1647407" cy="0"/>
+          </a:xfrm>
+          <a:prstGeom prst="line">
+            <a:avLst/>
+          </a:prstGeom>
+          <a:ln w="28575">
+            <a:solidFill>
+              <a:schemeClr val="tx1"/>
+            </a:solidFill>
+          </a:ln>
+        </p:spPr>
+        <p:style>
+          <a:lnRef idx="1">
+            <a:schemeClr val="accent1"/>
+          </a:lnRef>
+          <a:fillRef idx="0">
+            <a:schemeClr val="accent1"/>
+          </a:fillRef>
+          <a:effectRef idx="0">
+            <a:schemeClr val="accent1"/>
+          </a:effectRef>
+          <a:fontRef idx="minor">
+            <a:schemeClr val="tx1"/>
+          </a:fontRef>
+        </p:style>
+      </p:cxnSp>
+      <p:cxnSp>
+        <p:nvCxnSpPr>
+          <p:cNvPr id="128" name="直线连接符 127">
+            <a:extLst>
+              <a:ext uri="{FF2B5EF4-FFF2-40B4-BE49-F238E27FC236}">
+                <a16:creationId xmlns:a16="http://schemas.microsoft.com/office/drawing/2014/main" id="{9983FA8B-0385-0048-BBBF-9D0BFADFA0CF}"/>
+              </a:ext>
+            </a:extLst>
+          </p:cNvPr>
+          <p:cNvCxnSpPr>
+            <a:cxnSpLocks/>
+          </p:cNvCxnSpPr>
+          <p:nvPr/>
+        </p:nvCxnSpPr>
+        <p:spPr>
+          <a:xfrm>
+            <a:off x="10002420" y="3511764"/>
+            <a:ext cx="8049" cy="447784"/>
+          </a:xfrm>
+          <a:prstGeom prst="line">
+            <a:avLst/>
+          </a:prstGeom>
+          <a:ln w="28575">
+            <a:solidFill>
+              <a:schemeClr val="tx1"/>
+            </a:solidFill>
+          </a:ln>
+        </p:spPr>
+        <p:style>
+          <a:lnRef idx="1">
+            <a:schemeClr val="accent1"/>
+          </a:lnRef>
+          <a:fillRef idx="0">
+            <a:schemeClr val="accent1"/>
+          </a:fillRef>
+          <a:effectRef idx="0">
+            <a:schemeClr val="accent1"/>
+          </a:effectRef>
+          <a:fontRef idx="minor">
+            <a:schemeClr val="tx1"/>
+          </a:fontRef>
+        </p:style>
+      </p:cxnSp>
+      <p:cxnSp>
+        <p:nvCxnSpPr>
+          <p:cNvPr id="130" name="直线箭头连接符 129">
+            <a:extLst>
+              <a:ext uri="{FF2B5EF4-FFF2-40B4-BE49-F238E27FC236}">
+                <a16:creationId xmlns:a16="http://schemas.microsoft.com/office/drawing/2014/main" id="{685F53CA-4BCF-3C41-AF95-1656674CFF44}"/>
+              </a:ext>
+            </a:extLst>
+          </p:cNvPr>
+          <p:cNvCxnSpPr>
+            <a:cxnSpLocks/>
+          </p:cNvCxnSpPr>
+          <p:nvPr/>
+        </p:nvCxnSpPr>
+        <p:spPr>
+          <a:xfrm>
+            <a:off x="7378180" y="3630071"/>
+            <a:ext cx="2435642" cy="200775"/>
+          </a:xfrm>
+          <a:prstGeom prst="straightConnector1">
+            <a:avLst/>
+          </a:prstGeom>
+          <a:ln w="28575">
+            <a:solidFill>
+              <a:schemeClr val="tx1"/>
+            </a:solidFill>
+            <a:tailEnd type="triangle"/>
+          </a:ln>
+        </p:spPr>
+        <p:style>
+          <a:lnRef idx="1">
+            <a:schemeClr val="accent1"/>
+          </a:lnRef>
+          <a:fillRef idx="0">
+            <a:schemeClr val="accent1"/>
+          </a:fillRef>
+          <a:effectRef idx="0">
+            <a:schemeClr val="accent1"/>
+          </a:effectRef>
+          <a:fontRef idx="minor">
+            <a:schemeClr val="tx1"/>
+          </a:fontRef>
+        </p:style>
+      </p:cxnSp>
+      <p:cxnSp>
+        <p:nvCxnSpPr>
+          <p:cNvPr id="131" name="直线箭头连接符 130">
+            <a:extLst>
+              <a:ext uri="{FF2B5EF4-FFF2-40B4-BE49-F238E27FC236}">
+                <a16:creationId xmlns:a16="http://schemas.microsoft.com/office/drawing/2014/main" id="{D053606D-84D1-634C-A44F-4A369B018780}"/>
+              </a:ext>
+            </a:extLst>
+          </p:cNvPr>
+          <p:cNvCxnSpPr>
+            <a:cxnSpLocks/>
+          </p:cNvCxnSpPr>
+          <p:nvPr/>
+        </p:nvCxnSpPr>
+        <p:spPr>
+          <a:xfrm>
+            <a:off x="7363123" y="3948808"/>
+            <a:ext cx="2435642" cy="200775"/>
+          </a:xfrm>
+          <a:prstGeom prst="straightConnector1">
+            <a:avLst/>
+          </a:prstGeom>
+          <a:ln w="28575">
+            <a:solidFill>
+              <a:schemeClr val="tx1"/>
+            </a:solidFill>
+            <a:tailEnd type="triangle"/>
+          </a:ln>
+        </p:spPr>
+        <p:style>
+          <a:lnRef idx="1">
+            <a:schemeClr val="accent1"/>
+          </a:lnRef>
+          <a:fillRef idx="0">
+            <a:schemeClr val="accent1"/>
+          </a:fillRef>
+          <a:effectRef idx="0">
+            <a:schemeClr val="accent1"/>
+          </a:effectRef>
+          <a:fontRef idx="minor">
+            <a:schemeClr val="tx1"/>
+          </a:fontRef>
+        </p:style>
+      </p:cxnSp>
+      <p:cxnSp>
+        <p:nvCxnSpPr>
+          <p:cNvPr id="133" name="直线连接符 132">
+            <a:extLst>
+              <a:ext uri="{FF2B5EF4-FFF2-40B4-BE49-F238E27FC236}">
+                <a16:creationId xmlns:a16="http://schemas.microsoft.com/office/drawing/2014/main" id="{23BB7D16-56A1-0C43-999E-F612CE609C6B}"/>
+              </a:ext>
+            </a:extLst>
+          </p:cNvPr>
+          <p:cNvCxnSpPr>
+            <a:cxnSpLocks/>
+          </p:cNvCxnSpPr>
+          <p:nvPr/>
+        </p:nvCxnSpPr>
+        <p:spPr>
+          <a:xfrm>
+            <a:off x="5932449" y="468351"/>
+            <a:ext cx="56579" cy="3957398"/>
+          </a:xfrm>
+          <a:prstGeom prst="line">
+            <a:avLst/>
+          </a:prstGeom>
+          <a:ln w="28575">
+            <a:solidFill>
+              <a:schemeClr val="tx1"/>
+            </a:solidFill>
+            <a:prstDash val="dash"/>
+          </a:ln>
+        </p:spPr>
+        <p:style>
+          <a:lnRef idx="1">
+            <a:schemeClr val="accent1"/>
+          </a:lnRef>
+          <a:fillRef idx="0">
+            <a:schemeClr val="accent1"/>
+          </a:fillRef>
+          <a:effectRef idx="0">
+            <a:schemeClr val="accent1"/>
+          </a:effectRef>
+          <a:fontRef idx="minor">
+            <a:schemeClr val="tx1"/>
+          </a:fontRef>
+        </p:style>
+      </p:cxnSp>
+      <p:sp>
+        <p:nvSpPr>
+          <p:cNvPr id="135" name="文本框 134">
+            <a:extLst>
+              <a:ext uri="{FF2B5EF4-FFF2-40B4-BE49-F238E27FC236}">
+                <a16:creationId xmlns:a16="http://schemas.microsoft.com/office/drawing/2014/main" id="{2D08371E-2930-AC4E-906F-005ED567FFF1}"/>
+              </a:ext>
+            </a:extLst>
+          </p:cNvPr>
+          <p:cNvSpPr txBox="1"/>
+          <p:nvPr/>
+        </p:nvSpPr>
+        <p:spPr>
+          <a:xfrm>
+            <a:off x="190169" y="2299480"/>
+            <a:ext cx="629403" cy="369332"/>
+          </a:xfrm>
+          <a:prstGeom prst="rect">
+            <a:avLst/>
+          </a:prstGeom>
+          <a:noFill/>
+        </p:spPr>
+        <p:txBody>
+          <a:bodyPr wrap="none" rtlCol="0">
+            <a:spAutoFit/>
+          </a:bodyPr>
+          <a:lstStyle/>
+          <a:p>
+            <a:r>
+              <a:rPr kumimoji="1" lang="en-US" altLang="zh-SG" dirty="0"/>
+              <a:t>Flow</a:t>
+            </a:r>
+            <a:endParaRPr kumimoji="1" lang="zh-SG" altLang="en-US" dirty="0"/>
+          </a:p>
+        </p:txBody>
+      </p:sp>
+      <p:sp>
+        <p:nvSpPr>
+          <p:cNvPr id="136" name="文本框 135">
+            <a:extLst>
+              <a:ext uri="{FF2B5EF4-FFF2-40B4-BE49-F238E27FC236}">
+                <a16:creationId xmlns:a16="http://schemas.microsoft.com/office/drawing/2014/main" id="{CC1A7A2E-529D-CA48-9191-FB66BC7FF4A6}"/>
+              </a:ext>
+            </a:extLst>
+          </p:cNvPr>
+          <p:cNvSpPr txBox="1"/>
+          <p:nvPr/>
+        </p:nvSpPr>
+        <p:spPr>
+          <a:xfrm>
+            <a:off x="5940078" y="2209837"/>
+            <a:ext cx="1022139" cy="369332"/>
+          </a:xfrm>
+          <a:prstGeom prst="rect">
+            <a:avLst/>
+          </a:prstGeom>
+          <a:noFill/>
+        </p:spPr>
+        <p:txBody>
+          <a:bodyPr wrap="none" rtlCol="0">
+            <a:spAutoFit/>
+          </a:bodyPr>
+          <a:lstStyle/>
+          <a:p>
+            <a:r>
+              <a:rPr kumimoji="1" lang="en-US" altLang="zh-SG" dirty="0" err="1"/>
+              <a:t>LessFlow</a:t>
+            </a:r>
+            <a:endParaRPr kumimoji="1" lang="zh-SG" altLang="en-US" dirty="0"/>
+          </a:p>
+        </p:txBody>
+      </p:sp>
+    </p:spTree>
+    <p:extLst>
+      <p:ext uri="{BB962C8B-B14F-4D97-AF65-F5344CB8AC3E}">
+        <p14:creationId xmlns:p14="http://schemas.microsoft.com/office/powerpoint/2010/main" val="3900901805"/>
+      </p:ext>
+    </p:extLst>
+  </p:cSld>
+  <p:clrMapOvr>
+    <a:masterClrMapping/>
+  </p:clrMapOvr>
+</p:sld>
+</file>
+
+<file path=ppt/slides/slide2.xml><?xml version="1.0" encoding="utf-8"?>
+<p:sld xmlns:a="http://schemas.openxmlformats.org/drawingml/2006/main" xmlns:r="http://schemas.openxmlformats.org/officeDocument/2006/relationships" xmlns:p="http://schemas.openxmlformats.org/presentationml/2006/main">
+  <p:cSld>
+    <p:spTree>
+      <p:nvGrpSpPr>
+        <p:cNvPr id="1" name=""/>
+        <p:cNvGrpSpPr/>
+        <p:nvPr/>
+      </p:nvGrpSpPr>
+      <p:grpSpPr>
+        <a:xfrm>
+          <a:off x="0" y="0"/>
+          <a:ext cx="0" cy="0"/>
+          <a:chOff x="0" y="0"/>
+          <a:chExt cx="0" cy="0"/>
+        </a:xfrm>
+      </p:grpSpPr>
       <p:sp>
         <p:nvSpPr>
           <p:cNvPr id="8" name="文本框 7">

--- a/lessflow/lessflow_reorder.pptx
+++ b/lessflow/lessflow_reorder.pptx
@@ -3448,8 +3448,8 @@
         </p:nvSpPr>
         <p:spPr>
           <a:xfrm>
-            <a:off x="1001142" y="712337"/>
-            <a:ext cx="498278" cy="400110"/>
+            <a:off x="1001142" y="625947"/>
+            <a:ext cx="621837" cy="523220"/>
           </a:xfrm>
           <a:prstGeom prst="rect">
             <a:avLst/>
@@ -3463,10 +3463,10 @@
           <a:lstStyle/>
           <a:p>
             <a:r>
-              <a:rPr kumimoji="1" lang="en-US" altLang="zh-SG" sz="2000" dirty="0" err="1"/>
+              <a:rPr kumimoji="1" lang="en-US" altLang="zh-SG" sz="2800" dirty="0" err="1"/>
               <a:t>Src</a:t>
             </a:r>
-            <a:endParaRPr kumimoji="1" lang="zh-SG" altLang="en-US" sz="2000" dirty="0"/>
+            <a:endParaRPr kumimoji="1" lang="zh-SG" altLang="en-US" sz="2800" dirty="0"/>
           </a:p>
         </p:txBody>
       </p:sp>
@@ -3484,8 +3484,8 @@
         </p:nvSpPr>
         <p:spPr>
           <a:xfrm>
-            <a:off x="3510593" y="712337"/>
-            <a:ext cx="526426" cy="400110"/>
+            <a:off x="3507687" y="635385"/>
+            <a:ext cx="663130" cy="523220"/>
           </a:xfrm>
           <a:prstGeom prst="rect">
             <a:avLst/>
@@ -3499,10 +3499,10 @@
           <a:lstStyle/>
           <a:p>
             <a:r>
-              <a:rPr kumimoji="1" lang="en-US" altLang="zh-CN" sz="2000" dirty="0" err="1"/>
+              <a:rPr kumimoji="1" lang="en-US" altLang="zh-CN" sz="2800" dirty="0" err="1"/>
               <a:t>Dst</a:t>
             </a:r>
-            <a:endParaRPr kumimoji="1" lang="zh-SG" altLang="en-US" sz="2000" dirty="0"/>
+            <a:endParaRPr kumimoji="1" lang="zh-SG" altLang="en-US" sz="2800" dirty="0"/>
           </a:p>
         </p:txBody>
       </p:sp>
@@ -3557,10 +3557,10 @@
           <a:p>
             <a:pPr algn="ctr"/>
             <a:r>
-              <a:rPr kumimoji="1" lang="en-US" altLang="zh-CN" dirty="0"/>
+              <a:rPr kumimoji="1" lang="en-US" altLang="zh-CN" sz="2200" dirty="0"/>
               <a:t>9</a:t>
             </a:r>
-            <a:endParaRPr kumimoji="1" lang="zh-SG" altLang="en-US" dirty="0"/>
+            <a:endParaRPr kumimoji="1" lang="zh-SG" altLang="en-US" sz="2200" dirty="0"/>
           </a:p>
         </p:txBody>
       </p:sp>
@@ -3615,10 +3615,10 @@
           <a:p>
             <a:pPr algn="ctr"/>
             <a:r>
-              <a:rPr kumimoji="1" lang="en-US" altLang="zh-CN" dirty="0"/>
+              <a:rPr kumimoji="1" lang="en-US" altLang="zh-CN" sz="2200" dirty="0"/>
               <a:t>8</a:t>
             </a:r>
-            <a:endParaRPr kumimoji="1" lang="zh-SG" altLang="en-US" dirty="0"/>
+            <a:endParaRPr kumimoji="1" lang="zh-SG" altLang="en-US" sz="2200" dirty="0"/>
           </a:p>
         </p:txBody>
       </p:sp>
@@ -3673,10 +3673,10 @@
           <a:p>
             <a:pPr algn="ctr"/>
             <a:r>
-              <a:rPr kumimoji="1" lang="en-US" altLang="zh-CN" dirty="0"/>
+              <a:rPr kumimoji="1" lang="en-US" altLang="zh-CN" sz="2200" dirty="0"/>
               <a:t>7</a:t>
             </a:r>
-            <a:endParaRPr kumimoji="1" lang="zh-SG" altLang="en-US" dirty="0"/>
+            <a:endParaRPr kumimoji="1" lang="zh-SG" altLang="en-US" sz="2200" dirty="0"/>
           </a:p>
         </p:txBody>
       </p:sp>
@@ -3731,10 +3731,10 @@
           <a:p>
             <a:pPr algn="ctr"/>
             <a:r>
-              <a:rPr kumimoji="1" lang="en-US" altLang="zh-CN" dirty="0"/>
+              <a:rPr kumimoji="1" lang="en-US" altLang="zh-CN" sz="2200" dirty="0"/>
               <a:t>6</a:t>
             </a:r>
-            <a:endParaRPr kumimoji="1" lang="zh-SG" altLang="en-US" dirty="0"/>
+            <a:endParaRPr kumimoji="1" lang="zh-SG" altLang="en-US" sz="2200" dirty="0"/>
           </a:p>
         </p:txBody>
       </p:sp>
@@ -3789,10 +3789,10 @@
           <a:p>
             <a:pPr algn="ctr"/>
             <a:r>
-              <a:rPr kumimoji="1" lang="en-US" altLang="zh-SG" dirty="0"/>
+              <a:rPr kumimoji="1" lang="en-US" altLang="zh-SG" sz="2200" dirty="0"/>
               <a:t>5</a:t>
             </a:r>
-            <a:endParaRPr kumimoji="1" lang="zh-SG" altLang="en-US" dirty="0"/>
+            <a:endParaRPr kumimoji="1" lang="zh-SG" altLang="en-US" sz="2200" dirty="0"/>
           </a:p>
         </p:txBody>
       </p:sp>
@@ -3847,10 +3847,10 @@
           <a:p>
             <a:pPr algn="ctr"/>
             <a:r>
-              <a:rPr kumimoji="1" lang="en-US" altLang="zh-CN" dirty="0"/>
+              <a:rPr kumimoji="1" lang="en-US" altLang="zh-CN" sz="2200" dirty="0"/>
               <a:t>4</a:t>
             </a:r>
-            <a:endParaRPr kumimoji="1" lang="zh-SG" altLang="en-US" dirty="0"/>
+            <a:endParaRPr kumimoji="1" lang="zh-SG" altLang="en-US" sz="2200" dirty="0"/>
           </a:p>
         </p:txBody>
       </p:sp>
@@ -3905,10 +3905,10 @@
           <a:p>
             <a:pPr algn="ctr"/>
             <a:r>
-              <a:rPr kumimoji="1" lang="en-US" altLang="zh-CN" dirty="0"/>
+              <a:rPr kumimoji="1" lang="en-US" altLang="zh-CN" sz="2200" dirty="0"/>
               <a:t>3</a:t>
             </a:r>
-            <a:endParaRPr kumimoji="1" lang="zh-SG" altLang="en-US" dirty="0"/>
+            <a:endParaRPr kumimoji="1" lang="zh-SG" altLang="en-US" sz="2200" dirty="0"/>
           </a:p>
         </p:txBody>
       </p:sp>
@@ -3963,10 +3963,10 @@
           <a:p>
             <a:pPr algn="ctr"/>
             <a:r>
-              <a:rPr kumimoji="1" lang="en-US" altLang="zh-CN" dirty="0"/>
+              <a:rPr kumimoji="1" lang="en-US" altLang="zh-CN" sz="2200" dirty="0"/>
               <a:t>2</a:t>
             </a:r>
-            <a:endParaRPr kumimoji="1" lang="zh-SG" altLang="en-US" dirty="0"/>
+            <a:endParaRPr kumimoji="1" lang="zh-SG" altLang="en-US" sz="2200" dirty="0"/>
           </a:p>
         </p:txBody>
       </p:sp>
@@ -4021,10 +4021,10 @@
           <a:p>
             <a:pPr algn="ctr"/>
             <a:r>
-              <a:rPr kumimoji="1" lang="en-US" altLang="zh-CN" dirty="0"/>
+              <a:rPr kumimoji="1" lang="en-US" altLang="zh-CN" sz="2200" dirty="0"/>
               <a:t>1</a:t>
             </a:r>
-            <a:endParaRPr kumimoji="1" lang="zh-SG" altLang="en-US" dirty="0"/>
+            <a:endParaRPr kumimoji="1" lang="zh-SG" altLang="en-US" sz="2200" dirty="0"/>
           </a:p>
         </p:txBody>
       </p:sp>
@@ -4079,10 +4079,10 @@
           <a:p>
             <a:pPr algn="ctr"/>
             <a:r>
-              <a:rPr kumimoji="1" lang="en-US" altLang="zh-SG" dirty="0"/>
+              <a:rPr kumimoji="1" lang="en-US" altLang="zh-SG" sz="2200" dirty="0"/>
               <a:t>1</a:t>
             </a:r>
-            <a:endParaRPr kumimoji="1" lang="zh-SG" altLang="en-US" dirty="0"/>
+            <a:endParaRPr kumimoji="1" lang="zh-SG" altLang="en-US" sz="2200" dirty="0"/>
           </a:p>
         </p:txBody>
       </p:sp>
@@ -4137,10 +4137,10 @@
           <a:p>
             <a:pPr algn="ctr"/>
             <a:r>
-              <a:rPr kumimoji="1" lang="en-US" altLang="zh-SG" dirty="0"/>
+              <a:rPr kumimoji="1" lang="en-US" altLang="zh-SG" sz="2200" dirty="0"/>
               <a:t>2</a:t>
             </a:r>
-            <a:endParaRPr kumimoji="1" lang="zh-SG" altLang="en-US" dirty="0"/>
+            <a:endParaRPr kumimoji="1" lang="zh-SG" altLang="en-US" sz="2200" dirty="0"/>
           </a:p>
         </p:txBody>
       </p:sp>
@@ -4195,10 +4195,10 @@
           <a:p>
             <a:pPr algn="ctr"/>
             <a:r>
-              <a:rPr kumimoji="1" lang="en-US" altLang="zh-SG" dirty="0"/>
+              <a:rPr kumimoji="1" lang="en-US" altLang="zh-SG" sz="2200" dirty="0"/>
               <a:t>3</a:t>
             </a:r>
-            <a:endParaRPr kumimoji="1" lang="zh-SG" altLang="en-US" dirty="0"/>
+            <a:endParaRPr kumimoji="1" lang="zh-SG" altLang="en-US" sz="2200" dirty="0"/>
           </a:p>
         </p:txBody>
       </p:sp>
@@ -4253,10 +4253,10 @@
           <a:p>
             <a:pPr algn="ctr"/>
             <a:r>
-              <a:rPr kumimoji="1" lang="en-US" altLang="zh-SG" dirty="0"/>
+              <a:rPr kumimoji="1" lang="en-US" altLang="zh-SG" sz="2200" dirty="0"/>
               <a:t>4</a:t>
             </a:r>
-            <a:endParaRPr kumimoji="1" lang="zh-SG" altLang="en-US" dirty="0"/>
+            <a:endParaRPr kumimoji="1" lang="zh-SG" altLang="en-US" sz="2200" dirty="0"/>
           </a:p>
         </p:txBody>
       </p:sp>
@@ -4712,7 +4712,7 @@
         <p:spPr>
           <a:xfrm>
             <a:off x="5334469" y="2151060"/>
-            <a:ext cx="304892" cy="369332"/>
+            <a:ext cx="330540" cy="430887"/>
           </a:xfrm>
           <a:prstGeom prst="rect">
             <a:avLst/>
@@ -4726,14 +4726,14 @@
           <a:lstStyle/>
           <a:p>
             <a:r>
-              <a:rPr kumimoji="1" lang="en-US" altLang="zh-SG" dirty="0">
+              <a:rPr kumimoji="1" lang="en-US" altLang="zh-SG" sz="2200" dirty="0">
                 <a:solidFill>
                   <a:srgbClr val="FF0000"/>
                 </a:solidFill>
               </a:rPr>
               <a:t>X</a:t>
             </a:r>
-            <a:endParaRPr kumimoji="1" lang="zh-SG" altLang="en-US" dirty="0">
+            <a:endParaRPr kumimoji="1" lang="zh-SG" altLang="en-US" sz="2200" dirty="0">
               <a:solidFill>
                 <a:srgbClr val="FF0000"/>
               </a:solidFill>
@@ -4792,10 +4792,10 @@
           <a:p>
             <a:pPr algn="ctr"/>
             <a:r>
-              <a:rPr kumimoji="1" lang="en-US" altLang="zh-CN" dirty="0"/>
+              <a:rPr kumimoji="1" lang="en-US" altLang="zh-CN" sz="2200" dirty="0"/>
               <a:t>7</a:t>
             </a:r>
-            <a:endParaRPr kumimoji="1" lang="zh-SG" altLang="en-US" dirty="0"/>
+            <a:endParaRPr kumimoji="1" lang="zh-SG" altLang="en-US" sz="2200" dirty="0"/>
           </a:p>
         </p:txBody>
       </p:sp>
@@ -4814,7 +4814,7 @@
         <p:spPr>
           <a:xfrm>
             <a:off x="4304040" y="3252845"/>
-            <a:ext cx="304892" cy="369332"/>
+            <a:ext cx="330540" cy="430887"/>
           </a:xfrm>
           <a:prstGeom prst="rect">
             <a:avLst/>
@@ -4828,14 +4828,14 @@
           <a:lstStyle/>
           <a:p>
             <a:r>
-              <a:rPr kumimoji="1" lang="en-US" altLang="zh-SG" dirty="0">
+              <a:rPr kumimoji="1" lang="en-US" altLang="zh-SG" sz="2200" dirty="0">
                 <a:solidFill>
                   <a:srgbClr val="FF0000"/>
                 </a:solidFill>
               </a:rPr>
               <a:t>X</a:t>
             </a:r>
-            <a:endParaRPr kumimoji="1" lang="zh-SG" altLang="en-US" dirty="0">
+            <a:endParaRPr kumimoji="1" lang="zh-SG" altLang="en-US" sz="2200" dirty="0">
               <a:solidFill>
                 <a:srgbClr val="FF0000"/>
               </a:solidFill>
@@ -4859,7 +4859,7 @@
         </p:nvCxnSpPr>
         <p:spPr>
           <a:xfrm>
-            <a:off x="7355860" y="1060066"/>
+            <a:off x="6865209" y="1060066"/>
             <a:ext cx="15727" cy="3121641"/>
           </a:xfrm>
           <a:prstGeom prst="line">
@@ -4902,7 +4902,7 @@
         </p:nvCxnSpPr>
         <p:spPr>
           <a:xfrm>
-            <a:off x="9796349" y="1060065"/>
+            <a:off x="9305698" y="1060065"/>
             <a:ext cx="10880" cy="3121642"/>
           </a:xfrm>
           <a:prstGeom prst="line">
@@ -4943,8 +4943,8 @@
         </p:nvSpPr>
         <p:spPr>
           <a:xfrm>
-            <a:off x="7041158" y="690734"/>
-            <a:ext cx="498278" cy="400110"/>
+            <a:off x="6547028" y="589457"/>
+            <a:ext cx="621837" cy="523220"/>
           </a:xfrm>
           <a:prstGeom prst="rect">
             <a:avLst/>
@@ -4958,10 +4958,10 @@
           <a:lstStyle/>
           <a:p>
             <a:r>
-              <a:rPr kumimoji="1" lang="en-US" altLang="zh-SG" sz="2000" dirty="0" err="1"/>
+              <a:rPr kumimoji="1" lang="en-US" altLang="zh-SG" sz="2800" dirty="0" err="1"/>
               <a:t>Src</a:t>
             </a:r>
-            <a:endParaRPr kumimoji="1" lang="zh-SG" altLang="en-US" sz="2000" dirty="0"/>
+            <a:endParaRPr kumimoji="1" lang="zh-SG" altLang="en-US" sz="2800" dirty="0"/>
           </a:p>
         </p:txBody>
       </p:sp>
@@ -4979,8 +4979,8 @@
         </p:nvSpPr>
         <p:spPr>
           <a:xfrm>
-            <a:off x="9550609" y="690734"/>
-            <a:ext cx="526426" cy="400110"/>
+            <a:off x="9062980" y="623820"/>
+            <a:ext cx="663130" cy="523220"/>
           </a:xfrm>
           <a:prstGeom prst="rect">
             <a:avLst/>
@@ -4994,10 +4994,10 @@
           <a:lstStyle/>
           <a:p>
             <a:r>
-              <a:rPr kumimoji="1" lang="en-US" altLang="zh-CN" sz="2000" dirty="0" err="1"/>
+              <a:rPr kumimoji="1" lang="en-US" altLang="zh-CN" sz="2800" dirty="0" err="1"/>
               <a:t>Dst</a:t>
             </a:r>
-            <a:endParaRPr kumimoji="1" lang="zh-SG" altLang="en-US" sz="2000" dirty="0"/>
+            <a:endParaRPr kumimoji="1" lang="zh-SG" altLang="en-US" sz="2800" dirty="0"/>
           </a:p>
         </p:txBody>
       </p:sp>
@@ -5015,7 +5015,7 @@
         </p:nvSpPr>
         <p:spPr>
           <a:xfrm>
-            <a:off x="6936463" y="3783608"/>
+            <a:off x="6445812" y="3783608"/>
             <a:ext cx="322759" cy="311108"/>
           </a:xfrm>
           <a:prstGeom prst="rect">
@@ -5052,10 +5052,10 @@
           <a:p>
             <a:pPr algn="ctr"/>
             <a:r>
-              <a:rPr kumimoji="1" lang="en-US" altLang="zh-CN" dirty="0"/>
+              <a:rPr kumimoji="1" lang="en-US" altLang="zh-CN" sz="2200" dirty="0"/>
               <a:t>9</a:t>
             </a:r>
-            <a:endParaRPr kumimoji="1" lang="zh-SG" altLang="en-US" dirty="0"/>
+            <a:endParaRPr kumimoji="1" lang="zh-SG" altLang="en-US" sz="2200" dirty="0"/>
           </a:p>
         </p:txBody>
       </p:sp>
@@ -5073,7 +5073,7 @@
         </p:nvSpPr>
         <p:spPr>
           <a:xfrm>
-            <a:off x="6936463" y="3455703"/>
+            <a:off x="6445812" y="3455703"/>
             <a:ext cx="322759" cy="311108"/>
           </a:xfrm>
           <a:prstGeom prst="rect">
@@ -5110,10 +5110,10 @@
           <a:p>
             <a:pPr algn="ctr"/>
             <a:r>
-              <a:rPr kumimoji="1" lang="en-US" altLang="zh-CN" dirty="0"/>
+              <a:rPr kumimoji="1" lang="en-US" altLang="zh-CN" sz="2200" dirty="0"/>
               <a:t>8</a:t>
             </a:r>
-            <a:endParaRPr kumimoji="1" lang="zh-SG" altLang="en-US" dirty="0"/>
+            <a:endParaRPr kumimoji="1" lang="zh-SG" altLang="en-US" sz="2200" dirty="0"/>
           </a:p>
         </p:txBody>
       </p:sp>
@@ -5131,7 +5131,7 @@
         </p:nvSpPr>
         <p:spPr>
           <a:xfrm>
-            <a:off x="6936463" y="3142161"/>
+            <a:off x="6445812" y="3142161"/>
             <a:ext cx="322759" cy="311108"/>
           </a:xfrm>
           <a:prstGeom prst="rect">
@@ -5168,10 +5168,10 @@
           <a:p>
             <a:pPr algn="ctr"/>
             <a:r>
-              <a:rPr kumimoji="1" lang="en-US" altLang="zh-CN" dirty="0"/>
+              <a:rPr kumimoji="1" lang="en-US" altLang="zh-CN" sz="2200" dirty="0"/>
               <a:t>7</a:t>
             </a:r>
-            <a:endParaRPr kumimoji="1" lang="zh-SG" altLang="en-US" dirty="0"/>
+            <a:endParaRPr kumimoji="1" lang="zh-SG" altLang="en-US" sz="2200" dirty="0"/>
           </a:p>
         </p:txBody>
       </p:sp>
@@ -5189,7 +5189,7 @@
         </p:nvSpPr>
         <p:spPr>
           <a:xfrm>
-            <a:off x="6936463" y="2772086"/>
+            <a:off x="6445812" y="2772086"/>
             <a:ext cx="322759" cy="311108"/>
           </a:xfrm>
           <a:prstGeom prst="rect">
@@ -5226,10 +5226,10 @@
           <a:p>
             <a:pPr algn="ctr"/>
             <a:r>
-              <a:rPr kumimoji="1" lang="en-US" altLang="zh-CN" dirty="0"/>
+              <a:rPr kumimoji="1" lang="en-US" altLang="zh-CN" sz="2200" dirty="0"/>
               <a:t>6</a:t>
             </a:r>
-            <a:endParaRPr kumimoji="1" lang="zh-SG" altLang="en-US" dirty="0"/>
+            <a:endParaRPr kumimoji="1" lang="zh-SG" altLang="en-US" sz="2200" dirty="0"/>
           </a:p>
         </p:txBody>
       </p:sp>
@@ -5247,7 +5247,7 @@
         </p:nvSpPr>
         <p:spPr>
           <a:xfrm>
-            <a:off x="6936463" y="2446615"/>
+            <a:off x="6445812" y="2446615"/>
             <a:ext cx="322759" cy="311108"/>
           </a:xfrm>
           <a:prstGeom prst="rect">
@@ -5284,10 +5284,10 @@
           <a:p>
             <a:pPr algn="ctr"/>
             <a:r>
-              <a:rPr kumimoji="1" lang="en-US" altLang="zh-SG" dirty="0"/>
+              <a:rPr kumimoji="1" lang="en-US" altLang="zh-SG" sz="2200" dirty="0"/>
               <a:t>5</a:t>
             </a:r>
-            <a:endParaRPr kumimoji="1" lang="zh-SG" altLang="en-US" dirty="0"/>
+            <a:endParaRPr kumimoji="1" lang="zh-SG" altLang="en-US" sz="2200" dirty="0"/>
           </a:p>
         </p:txBody>
       </p:sp>
@@ -5305,7 +5305,7 @@
         </p:nvSpPr>
         <p:spPr>
           <a:xfrm>
-            <a:off x="6936463" y="2121144"/>
+            <a:off x="6445812" y="2121144"/>
             <a:ext cx="322759" cy="311108"/>
           </a:xfrm>
           <a:prstGeom prst="rect">
@@ -5342,10 +5342,10 @@
           <a:p>
             <a:pPr algn="ctr"/>
             <a:r>
-              <a:rPr kumimoji="1" lang="en-US" altLang="zh-CN" dirty="0"/>
+              <a:rPr kumimoji="1" lang="en-US" altLang="zh-CN" sz="2200" dirty="0"/>
               <a:t>4</a:t>
             </a:r>
-            <a:endParaRPr kumimoji="1" lang="zh-SG" altLang="en-US" dirty="0"/>
+            <a:endParaRPr kumimoji="1" lang="zh-SG" altLang="en-US" sz="2200" dirty="0"/>
           </a:p>
         </p:txBody>
       </p:sp>
@@ -5363,7 +5363,7 @@
         </p:nvSpPr>
         <p:spPr>
           <a:xfrm>
-            <a:off x="6936463" y="1762646"/>
+            <a:off x="6445812" y="1762646"/>
             <a:ext cx="322759" cy="311108"/>
           </a:xfrm>
           <a:prstGeom prst="rect">
@@ -5400,10 +5400,10 @@
           <a:p>
             <a:pPr algn="ctr"/>
             <a:r>
-              <a:rPr kumimoji="1" lang="en-US" altLang="zh-CN" dirty="0"/>
+              <a:rPr kumimoji="1" lang="en-US" altLang="zh-CN" sz="2200" dirty="0"/>
               <a:t>3</a:t>
             </a:r>
-            <a:endParaRPr kumimoji="1" lang="zh-SG" altLang="en-US" dirty="0"/>
+            <a:endParaRPr kumimoji="1" lang="zh-SG" altLang="en-US" sz="2200" dirty="0"/>
           </a:p>
         </p:txBody>
       </p:sp>
@@ -5421,7 +5421,7 @@
         </p:nvSpPr>
         <p:spPr>
           <a:xfrm>
-            <a:off x="6936463" y="1462209"/>
+            <a:off x="6445812" y="1462209"/>
             <a:ext cx="322759" cy="311108"/>
           </a:xfrm>
           <a:prstGeom prst="rect">
@@ -5458,10 +5458,10 @@
           <a:p>
             <a:pPr algn="ctr"/>
             <a:r>
-              <a:rPr kumimoji="1" lang="en-US" altLang="zh-CN" dirty="0"/>
+              <a:rPr kumimoji="1" lang="en-US" altLang="zh-CN" sz="2200" dirty="0"/>
               <a:t>2</a:t>
             </a:r>
-            <a:endParaRPr kumimoji="1" lang="zh-SG" altLang="en-US" dirty="0"/>
+            <a:endParaRPr kumimoji="1" lang="zh-SG" altLang="en-US" sz="2200" dirty="0"/>
           </a:p>
         </p:txBody>
       </p:sp>
@@ -5479,7 +5479,7 @@
         </p:nvSpPr>
         <p:spPr>
           <a:xfrm>
-            <a:off x="6936463" y="1137644"/>
+            <a:off x="6445812" y="1137644"/>
             <a:ext cx="322759" cy="311108"/>
           </a:xfrm>
           <a:prstGeom prst="rect">
@@ -5516,10 +5516,10 @@
           <a:p>
             <a:pPr algn="ctr"/>
             <a:r>
-              <a:rPr kumimoji="1" lang="en-US" altLang="zh-CN" dirty="0"/>
+              <a:rPr kumimoji="1" lang="en-US" altLang="zh-CN" sz="2200" dirty="0"/>
               <a:t>1</a:t>
             </a:r>
-            <a:endParaRPr kumimoji="1" lang="zh-SG" altLang="en-US" dirty="0"/>
+            <a:endParaRPr kumimoji="1" lang="zh-SG" altLang="en-US" sz="2200" dirty="0"/>
           </a:p>
         </p:txBody>
       </p:sp>
@@ -5537,7 +5537,7 @@
         </p:nvSpPr>
         <p:spPr>
           <a:xfrm>
-            <a:off x="10055382" y="1710226"/>
+            <a:off x="9564731" y="1710226"/>
             <a:ext cx="322759" cy="311108"/>
           </a:xfrm>
           <a:prstGeom prst="rect">
@@ -5574,10 +5574,10 @@
           <a:p>
             <a:pPr algn="ctr"/>
             <a:r>
-              <a:rPr kumimoji="1" lang="en-US" altLang="zh-SG" dirty="0"/>
+              <a:rPr kumimoji="1" lang="en-US" altLang="zh-SG" sz="2200" dirty="0"/>
               <a:t>1</a:t>
             </a:r>
-            <a:endParaRPr kumimoji="1" lang="zh-SG" altLang="en-US" dirty="0"/>
+            <a:endParaRPr kumimoji="1" lang="zh-SG" altLang="en-US" sz="2200" dirty="0"/>
           </a:p>
         </p:txBody>
       </p:sp>
@@ -5595,7 +5595,7 @@
         </p:nvSpPr>
         <p:spPr>
           <a:xfrm>
-            <a:off x="10378141" y="1710226"/>
+            <a:off x="9887490" y="1710226"/>
             <a:ext cx="322759" cy="311108"/>
           </a:xfrm>
           <a:prstGeom prst="rect">
@@ -5632,10 +5632,10 @@
           <a:p>
             <a:pPr algn="ctr"/>
             <a:r>
-              <a:rPr kumimoji="1" lang="en-US" altLang="zh-SG" dirty="0"/>
+              <a:rPr kumimoji="1" lang="en-US" altLang="zh-SG" sz="2200" dirty="0"/>
               <a:t>2</a:t>
             </a:r>
-            <a:endParaRPr kumimoji="1" lang="zh-SG" altLang="en-US" dirty="0"/>
+            <a:endParaRPr kumimoji="1" lang="zh-SG" altLang="en-US" sz="2200" dirty="0"/>
           </a:p>
         </p:txBody>
       </p:sp>
@@ -5653,7 +5653,7 @@
         </p:nvSpPr>
         <p:spPr>
           <a:xfrm>
-            <a:off x="10700900" y="1710226"/>
+            <a:off x="10210249" y="1710226"/>
             <a:ext cx="322759" cy="311108"/>
           </a:xfrm>
           <a:prstGeom prst="rect">
@@ -5690,10 +5690,10 @@
           <a:p>
             <a:pPr algn="ctr"/>
             <a:r>
-              <a:rPr kumimoji="1" lang="en-US" altLang="zh-SG" dirty="0"/>
+              <a:rPr kumimoji="1" lang="en-US" altLang="zh-SG" sz="2200" dirty="0"/>
               <a:t>3</a:t>
             </a:r>
-            <a:endParaRPr kumimoji="1" lang="zh-SG" altLang="en-US" dirty="0"/>
+            <a:endParaRPr kumimoji="1" lang="zh-SG" altLang="en-US" sz="2200" dirty="0"/>
           </a:p>
         </p:txBody>
       </p:sp>
@@ -5713,7 +5713,7 @@
         </p:nvCxnSpPr>
         <p:spPr>
           <a:xfrm>
-            <a:off x="7355860" y="1648544"/>
+            <a:off x="6865209" y="1648544"/>
             <a:ext cx="2435642" cy="200775"/>
           </a:xfrm>
           <a:prstGeom prst="straightConnector1">
@@ -5757,7 +5757,7 @@
         </p:nvCxnSpPr>
         <p:spPr>
           <a:xfrm>
-            <a:off x="7348598" y="1337346"/>
+            <a:off x="6857947" y="1337346"/>
             <a:ext cx="2435642" cy="200775"/>
           </a:xfrm>
           <a:prstGeom prst="straightConnector1">
@@ -5801,7 +5801,7 @@
         </p:nvCxnSpPr>
         <p:spPr>
           <a:xfrm>
-            <a:off x="7371587" y="2310264"/>
+            <a:off x="6880936" y="2310264"/>
             <a:ext cx="2435642" cy="200775"/>
           </a:xfrm>
           <a:prstGeom prst="straightConnector1">
@@ -5845,7 +5845,7 @@
         </p:nvCxnSpPr>
         <p:spPr>
           <a:xfrm>
-            <a:off x="7355860" y="1987459"/>
+            <a:off x="6865209" y="1987459"/>
             <a:ext cx="2435642" cy="200775"/>
           </a:xfrm>
           <a:prstGeom prst="straightConnector1">
@@ -5889,7 +5889,7 @@
         </p:nvCxnSpPr>
         <p:spPr>
           <a:xfrm>
-            <a:off x="7378180" y="2891182"/>
+            <a:off x="6887529" y="2891182"/>
             <a:ext cx="1315826" cy="113456"/>
           </a:xfrm>
           <a:prstGeom prst="straightConnector1">
@@ -5933,7 +5933,7 @@
         </p:nvCxnSpPr>
         <p:spPr>
           <a:xfrm>
-            <a:off x="7363123" y="2564735"/>
+            <a:off x="6872472" y="2564735"/>
             <a:ext cx="1330883" cy="93052"/>
           </a:xfrm>
           <a:prstGeom prst="straightConnector1">
@@ -5977,7 +5977,7 @@
         </p:nvCxnSpPr>
         <p:spPr>
           <a:xfrm>
-            <a:off x="7348598" y="3298695"/>
+            <a:off x="6857947" y="3298695"/>
             <a:ext cx="2435642" cy="200775"/>
           </a:xfrm>
           <a:prstGeom prst="straightConnector1">
@@ -6021,7 +6021,7 @@
         </p:nvCxnSpPr>
         <p:spPr>
           <a:xfrm>
-            <a:off x="9989567" y="1666052"/>
+            <a:off x="9498916" y="1666052"/>
             <a:ext cx="1647407" cy="0"/>
           </a:xfrm>
           <a:prstGeom prst="line">
@@ -6064,7 +6064,7 @@
         </p:nvCxnSpPr>
         <p:spPr>
           <a:xfrm>
-            <a:off x="9989568" y="2099021"/>
+            <a:off x="9498917" y="2099021"/>
             <a:ext cx="1647407" cy="0"/>
           </a:xfrm>
           <a:prstGeom prst="line">
@@ -6107,7 +6107,7 @@
         </p:nvCxnSpPr>
         <p:spPr>
           <a:xfrm>
-            <a:off x="9984719" y="1666052"/>
+            <a:off x="9494068" y="1666052"/>
             <a:ext cx="8049" cy="447784"/>
           </a:xfrm>
           <a:prstGeom prst="line">
@@ -6148,7 +6148,7 @@
         </p:nvSpPr>
         <p:spPr>
           <a:xfrm>
-            <a:off x="10073083" y="2535023"/>
+            <a:off x="9582432" y="2535023"/>
             <a:ext cx="322759" cy="311108"/>
           </a:xfrm>
           <a:prstGeom prst="rect">
@@ -6185,10 +6185,10 @@
           <a:p>
             <a:pPr algn="ctr"/>
             <a:r>
-              <a:rPr kumimoji="1" lang="en-US" altLang="zh-CN" dirty="0"/>
+              <a:rPr kumimoji="1" lang="en-US" altLang="zh-CN" sz="2200" dirty="0"/>
               <a:t>4</a:t>
             </a:r>
-            <a:endParaRPr kumimoji="1" lang="zh-SG" altLang="en-US" dirty="0"/>
+            <a:endParaRPr kumimoji="1" lang="zh-SG" altLang="en-US" sz="2200" dirty="0"/>
           </a:p>
         </p:txBody>
       </p:sp>
@@ -6208,7 +6208,7 @@
         </p:nvCxnSpPr>
         <p:spPr>
           <a:xfrm>
-            <a:off x="10007268" y="2490849"/>
+            <a:off x="9516617" y="2490849"/>
             <a:ext cx="1647407" cy="0"/>
           </a:xfrm>
           <a:prstGeom prst="line">
@@ -6251,7 +6251,7 @@
         </p:nvCxnSpPr>
         <p:spPr>
           <a:xfrm>
-            <a:off x="10007269" y="2923818"/>
+            <a:off x="9516618" y="2923818"/>
             <a:ext cx="1647407" cy="0"/>
           </a:xfrm>
           <a:prstGeom prst="line">
@@ -6294,7 +6294,7 @@
         </p:nvCxnSpPr>
         <p:spPr>
           <a:xfrm>
-            <a:off x="10002420" y="2490849"/>
+            <a:off x="9511769" y="2490849"/>
             <a:ext cx="8049" cy="447784"/>
           </a:xfrm>
           <a:prstGeom prst="line">
@@ -6335,7 +6335,7 @@
         </p:nvSpPr>
         <p:spPr>
           <a:xfrm>
-            <a:off x="10073083" y="3555938"/>
+            <a:off x="9582432" y="3555938"/>
             <a:ext cx="322759" cy="311108"/>
           </a:xfrm>
           <a:prstGeom prst="rect">
@@ -6372,10 +6372,10 @@
           <a:p>
             <a:pPr algn="ctr"/>
             <a:r>
-              <a:rPr kumimoji="1" lang="en-US" altLang="zh-CN" dirty="0"/>
+              <a:rPr kumimoji="1" lang="en-US" altLang="zh-CN" sz="2200" dirty="0"/>
               <a:t>7</a:t>
             </a:r>
-            <a:endParaRPr kumimoji="1" lang="zh-SG" altLang="en-US" dirty="0"/>
+            <a:endParaRPr kumimoji="1" lang="zh-SG" altLang="en-US" sz="2200" dirty="0"/>
           </a:p>
         </p:txBody>
       </p:sp>
@@ -6393,7 +6393,7 @@
         </p:nvSpPr>
         <p:spPr>
           <a:xfrm>
-            <a:off x="10395842" y="3555938"/>
+            <a:off x="9905191" y="3555938"/>
             <a:ext cx="322759" cy="311108"/>
           </a:xfrm>
           <a:prstGeom prst="rect">
@@ -6430,10 +6430,10 @@
           <a:p>
             <a:pPr algn="ctr"/>
             <a:r>
-              <a:rPr kumimoji="1" lang="en-US" altLang="zh-CN" dirty="0"/>
+              <a:rPr kumimoji="1" lang="en-US" altLang="zh-CN" sz="2200" dirty="0"/>
               <a:t>8</a:t>
             </a:r>
-            <a:endParaRPr kumimoji="1" lang="zh-SG" altLang="en-US" dirty="0"/>
+            <a:endParaRPr kumimoji="1" lang="zh-SG" altLang="en-US" sz="2200" dirty="0"/>
           </a:p>
         </p:txBody>
       </p:sp>
@@ -6451,7 +6451,7 @@
         </p:nvSpPr>
         <p:spPr>
           <a:xfrm>
-            <a:off x="10718601" y="3555938"/>
+            <a:off x="10227950" y="3555938"/>
             <a:ext cx="322759" cy="311108"/>
           </a:xfrm>
           <a:prstGeom prst="rect">
@@ -6488,10 +6488,10 @@
           <a:p>
             <a:pPr algn="ctr"/>
             <a:r>
-              <a:rPr kumimoji="1" lang="en-US" altLang="zh-CN" dirty="0"/>
+              <a:rPr kumimoji="1" lang="en-US" altLang="zh-CN" sz="2200" dirty="0"/>
               <a:t>9</a:t>
             </a:r>
-            <a:endParaRPr kumimoji="1" lang="zh-SG" altLang="en-US" dirty="0"/>
+            <a:endParaRPr kumimoji="1" lang="zh-SG" altLang="en-US" sz="2200" dirty="0"/>
           </a:p>
         </p:txBody>
       </p:sp>
@@ -6511,7 +6511,7 @@
         </p:nvCxnSpPr>
         <p:spPr>
           <a:xfrm>
-            <a:off x="10007268" y="3511764"/>
+            <a:off x="9516617" y="3511764"/>
             <a:ext cx="1647407" cy="0"/>
           </a:xfrm>
           <a:prstGeom prst="line">
@@ -6554,7 +6554,7 @@
         </p:nvCxnSpPr>
         <p:spPr>
           <a:xfrm>
-            <a:off x="10007269" y="3944733"/>
+            <a:off x="9516618" y="3944733"/>
             <a:ext cx="1647407" cy="0"/>
           </a:xfrm>
           <a:prstGeom prst="line">
@@ -6597,7 +6597,7 @@
         </p:nvCxnSpPr>
         <p:spPr>
           <a:xfrm>
-            <a:off x="10002420" y="3511764"/>
+            <a:off x="9511769" y="3511764"/>
             <a:ext cx="8049" cy="447784"/>
           </a:xfrm>
           <a:prstGeom prst="line">
@@ -6640,7 +6640,7 @@
         </p:nvCxnSpPr>
         <p:spPr>
           <a:xfrm>
-            <a:off x="7378180" y="3630071"/>
+            <a:off x="6887529" y="3630071"/>
             <a:ext cx="2435642" cy="200775"/>
           </a:xfrm>
           <a:prstGeom prst="straightConnector1">
@@ -6684,7 +6684,7 @@
         </p:nvCxnSpPr>
         <p:spPr>
           <a:xfrm>
-            <a:off x="7363123" y="3948808"/>
+            <a:off x="6872472" y="3948808"/>
             <a:ext cx="2435642" cy="200775"/>
           </a:xfrm>
           <a:prstGeom prst="straightConnector1">
@@ -6770,8 +6770,8 @@
         </p:nvSpPr>
         <p:spPr>
           <a:xfrm>
-            <a:off x="190169" y="2299480"/>
-            <a:ext cx="629403" cy="369332"/>
+            <a:off x="693527" y="4074141"/>
+            <a:ext cx="2430537" cy="523220"/>
           </a:xfrm>
           <a:prstGeom prst="rect">
             <a:avLst/>
@@ -6785,10 +6785,18 @@
           <a:lstStyle/>
           <a:p>
             <a:r>
-              <a:rPr kumimoji="1" lang="en-US" altLang="zh-SG" dirty="0"/>
-              <a:t>Flow</a:t>
-            </a:r>
-            <a:endParaRPr kumimoji="1" lang="zh-SG" altLang="en-US" dirty="0"/>
+              <a:rPr kumimoji="1" lang="en-US" altLang="zh-SG" sz="2800" dirty="0"/>
+              <a:t>Packet</a:t>
+            </a:r>
+            <a:r>
+              <a:rPr kumimoji="1" lang="zh-CN" altLang="en-US" sz="2800" dirty="0"/>
+              <a:t> </a:t>
+            </a:r>
+            <a:r>
+              <a:rPr kumimoji="1" lang="en-US" altLang="zh-CN" sz="2800" dirty="0"/>
+              <a:t>spraying</a:t>
+            </a:r>
+            <a:endParaRPr kumimoji="1" lang="zh-SG" altLang="en-US" sz="2800" dirty="0"/>
           </a:p>
         </p:txBody>
       </p:sp>
@@ -6806,8 +6814,8 @@
         </p:nvSpPr>
         <p:spPr>
           <a:xfrm>
-            <a:off x="5940078" y="2209837"/>
-            <a:ext cx="1022139" cy="369332"/>
+            <a:off x="6071745" y="4096848"/>
+            <a:ext cx="1486497" cy="523220"/>
           </a:xfrm>
           <a:prstGeom prst="rect">
             <a:avLst/>
@@ -6821,10 +6829,10 @@
           <a:lstStyle/>
           <a:p>
             <a:r>
-              <a:rPr kumimoji="1" lang="en-US" altLang="zh-SG" dirty="0" err="1"/>
+              <a:rPr kumimoji="1" lang="en-US" altLang="zh-SG" sz="2800" dirty="0" err="1"/>
               <a:t>LessFlow</a:t>
             </a:r>
-            <a:endParaRPr kumimoji="1" lang="zh-SG" altLang="en-US" dirty="0"/>
+            <a:endParaRPr kumimoji="1" lang="zh-SG" altLang="en-US" sz="2800" dirty="0"/>
           </a:p>
         </p:txBody>
       </p:sp>
